--- a/doc/Projekt Digitale Stadt.pptx
+++ b/doc/Projekt Digitale Stadt.pptx
@@ -5,7 +5,7 @@
     <p:sldMasterId id="2147483648" r:id="rId4"/>
   </p:sldMasterIdLst>
   <p:notesMasterIdLst>
-    <p:notesMasterId r:id="rId11"/>
+    <p:notesMasterId r:id="rId13"/>
   </p:notesMasterIdLst>
   <p:sldIdLst>
     <p:sldId id="256" r:id="rId5"/>
@@ -14,6 +14,8 @@
     <p:sldId id="364" r:id="rId8"/>
     <p:sldId id="366" r:id="rId9"/>
     <p:sldId id="365" r:id="rId10"/>
+    <p:sldId id="367" r:id="rId11"/>
+    <p:sldId id="368" r:id="rId12"/>
   </p:sldIdLst>
   <p:sldSz cx="12192000" cy="6858000"/>
   <p:notesSz cx="6858000" cy="9144000"/>
@@ -570,6 +572,90 @@
     <p:extLst>
       <p:ext uri="{BB962C8B-B14F-4D97-AF65-F5344CB8AC3E}">
         <p14:creationId xmlns:p14="http://schemas.microsoft.com/office/powerpoint/2010/main" val="1004250517"/>
+      </p:ext>
+    </p:extLst>
+  </p:cSld>
+  <p:clrMapOvr>
+    <a:masterClrMapping/>
+  </p:clrMapOvr>
+</p:notes>
+</file>
+
+<file path=ppt/notesSlides/notesSlide2.xml><?xml version="1.0" encoding="utf-8"?>
+<p:notes xmlns:a="http://schemas.openxmlformats.org/drawingml/2006/main" xmlns:r="http://schemas.openxmlformats.org/officeDocument/2006/relationships" xmlns:p="http://schemas.openxmlformats.org/presentationml/2006/main">
+  <p:cSld>
+    <p:spTree>
+      <p:nvGrpSpPr>
+        <p:cNvPr id="1" name=""/>
+        <p:cNvGrpSpPr/>
+        <p:nvPr/>
+      </p:nvGrpSpPr>
+      <p:grpSpPr>
+        <a:xfrm>
+          <a:off x="0" y="0"/>
+          <a:ext cx="0" cy="0"/>
+          <a:chOff x="0" y="0"/>
+          <a:chExt cx="0" cy="0"/>
+        </a:xfrm>
+      </p:grpSpPr>
+      <p:sp>
+        <p:nvSpPr>
+          <p:cNvPr id="2" name="Folienbildplatzhalter 1"/>
+          <p:cNvSpPr>
+            <a:spLocks noGrp="1" noRot="1" noChangeAspect="1"/>
+          </p:cNvSpPr>
+          <p:nvPr>
+            <p:ph type="sldImg"/>
+          </p:nvPr>
+        </p:nvSpPr>
+        <p:spPr/>
+      </p:sp>
+      <p:sp>
+        <p:nvSpPr>
+          <p:cNvPr id="3" name="Notizenplatzhalter 2"/>
+          <p:cNvSpPr>
+            <a:spLocks noGrp="1"/>
+          </p:cNvSpPr>
+          <p:nvPr>
+            <p:ph type="body" idx="1"/>
+          </p:nvPr>
+        </p:nvSpPr>
+        <p:spPr/>
+        <p:txBody>
+          <a:bodyPr/>
+          <a:lstStyle/>
+          <a:p>
+            <a:endParaRPr lang="de-DE" dirty="0"/>
+          </a:p>
+        </p:txBody>
+      </p:sp>
+      <p:sp>
+        <p:nvSpPr>
+          <p:cNvPr id="4" name="Foliennummernplatzhalter 3"/>
+          <p:cNvSpPr>
+            <a:spLocks noGrp="1"/>
+          </p:cNvSpPr>
+          <p:nvPr>
+            <p:ph type="sldNum" sz="quarter" idx="5"/>
+          </p:nvPr>
+        </p:nvSpPr>
+        <p:spPr/>
+        <p:txBody>
+          <a:bodyPr/>
+          <a:lstStyle/>
+          <a:p>
+            <a:fld id="{B44F8D1D-8336-4B08-9381-056686C8B284}" type="slidenum">
+              <a:rPr lang="de-DE" smtClean="0"/>
+              <a:t>7</a:t>
+            </a:fld>
+            <a:endParaRPr lang="de-DE"/>
+          </a:p>
+        </p:txBody>
+      </p:sp>
+    </p:spTree>
+    <p:extLst>
+      <p:ext uri="{BB962C8B-B14F-4D97-AF65-F5344CB8AC3E}">
+        <p14:creationId xmlns:p14="http://schemas.microsoft.com/office/powerpoint/2010/main" val="1407582576"/>
       </p:ext>
     </p:extLst>
   </p:cSld>
@@ -4916,25 +5002,25 @@
           <a:p>
             <a:r>
               <a:rPr lang="de-DE" dirty="0"/>
-              <a:t>- Zielgruppe: Bürger und Verwaltung</a:t>
+              <a:t>Zielgruppe: Bürger und Verwaltung</a:t>
             </a:r>
           </a:p>
           <a:p>
             <a:r>
               <a:rPr lang="de-DE" dirty="0"/>
-              <a:t>- Einfach zu bedienen für Anwender und Administrator</a:t>
+              <a:t>Einfach zu bedienen für Anwender und Administrator</a:t>
             </a:r>
           </a:p>
           <a:p>
             <a:r>
               <a:rPr lang="de-DE" dirty="0"/>
-              <a:t>- Kostengünstig</a:t>
+              <a:t>Kostengünstig</a:t>
             </a:r>
           </a:p>
           <a:p>
             <a:r>
               <a:rPr lang="de-DE" dirty="0"/>
-              <a:t>- Auch mit Maus und Tastatur bedienbar</a:t>
+              <a:t>Auch mit Maus und Tastatur bedienbar</a:t>
             </a:r>
           </a:p>
           <a:p>
@@ -5205,6 +5291,602 @@
     <p:extLst>
       <p:ext uri="{BB962C8B-B14F-4D97-AF65-F5344CB8AC3E}">
         <p14:creationId xmlns:p14="http://schemas.microsoft.com/office/powerpoint/2010/main" val="3756294136"/>
+      </p:ext>
+    </p:extLst>
+  </p:cSld>
+  <p:clrMapOvr>
+    <a:masterClrMapping/>
+  </p:clrMapOvr>
+</p:sld>
+</file>
+
+<file path=ppt/slides/slide7.xml><?xml version="1.0" encoding="utf-8"?>
+<p:sld xmlns:a="http://schemas.openxmlformats.org/drawingml/2006/main" xmlns:r="http://schemas.openxmlformats.org/officeDocument/2006/relationships" xmlns:p="http://schemas.openxmlformats.org/presentationml/2006/main">
+  <p:cSld>
+    <p:spTree>
+      <p:nvGrpSpPr>
+        <p:cNvPr id="1" name=""/>
+        <p:cNvGrpSpPr/>
+        <p:nvPr/>
+      </p:nvGrpSpPr>
+      <p:grpSpPr>
+        <a:xfrm>
+          <a:off x="0" y="0"/>
+          <a:ext cx="0" cy="0"/>
+          <a:chOff x="0" y="0"/>
+          <a:chExt cx="0" cy="0"/>
+        </a:xfrm>
+      </p:grpSpPr>
+      <p:pic>
+        <p:nvPicPr>
+          <p:cNvPr id="10" name="Inhaltsplatzhalter 9">
+            <a:extLst>
+              <a:ext uri="{FF2B5EF4-FFF2-40B4-BE49-F238E27FC236}">
+                <a16:creationId xmlns:a16="http://schemas.microsoft.com/office/drawing/2014/main" id="{F323F95E-757E-4396-9E9E-002F9F97D07B}"/>
+              </a:ext>
+            </a:extLst>
+          </p:cNvPr>
+          <p:cNvPicPr>
+            <a:picLocks noGrp="1" noChangeAspect="1"/>
+          </p:cNvPicPr>
+          <p:nvPr>
+            <p:ph idx="1"/>
+          </p:nvPr>
+        </p:nvPicPr>
+        <p:blipFill>
+          <a:blip r:embed="rId3">
+            <a:extLst>
+              <a:ext uri="{28A0092B-C50C-407E-A947-70E740481C1C}">
+                <a14:useLocalDpi xmlns:a14="http://schemas.microsoft.com/office/drawing/2010/main" val="0"/>
+              </a:ext>
+            </a:extLst>
+          </a:blip>
+          <a:stretch>
+            <a:fillRect/>
+          </a:stretch>
+        </p:blipFill>
+        <p:spPr>
+          <a:xfrm>
+            <a:off x="6407538" y="1268412"/>
+            <a:ext cx="5238209" cy="4321175"/>
+          </a:xfrm>
+        </p:spPr>
+      </p:pic>
+      <p:sp>
+        <p:nvSpPr>
+          <p:cNvPr id="3" name="Titel 2">
+            <a:extLst>
+              <a:ext uri="{FF2B5EF4-FFF2-40B4-BE49-F238E27FC236}">
+                <a16:creationId xmlns:a16="http://schemas.microsoft.com/office/drawing/2014/main" id="{342D13E2-E2D5-4DAC-960B-F7C9D7CBB22C}"/>
+              </a:ext>
+            </a:extLst>
+          </p:cNvPr>
+          <p:cNvSpPr>
+            <a:spLocks noGrp="1"/>
+          </p:cNvSpPr>
+          <p:nvPr>
+            <p:ph type="title"/>
+          </p:nvPr>
+        </p:nvSpPr>
+        <p:spPr/>
+        <p:txBody>
+          <a:bodyPr/>
+          <a:lstStyle/>
+          <a:p>
+            <a:r>
+              <a:rPr lang="de-DE" dirty="0"/>
+              <a:t>Sequenzdiagramm</a:t>
+            </a:r>
+          </a:p>
+        </p:txBody>
+      </p:sp>
+      <p:sp>
+        <p:nvSpPr>
+          <p:cNvPr id="14" name="Inhaltsplatzhalter 1">
+            <a:extLst>
+              <a:ext uri="{FF2B5EF4-FFF2-40B4-BE49-F238E27FC236}">
+                <a16:creationId xmlns:a16="http://schemas.microsoft.com/office/drawing/2014/main" id="{E9B27E9E-AFB4-4053-9562-EBD4BF68C983}"/>
+              </a:ext>
+            </a:extLst>
+          </p:cNvPr>
+          <p:cNvSpPr txBox="1">
+            <a:spLocks/>
+          </p:cNvSpPr>
+          <p:nvPr/>
+        </p:nvSpPr>
+        <p:spPr>
+          <a:xfrm>
+            <a:off x="576000" y="1980000"/>
+            <a:ext cx="5375984" cy="4320000"/>
+          </a:xfrm>
+          <a:prstGeom prst="rect">
+            <a:avLst/>
+          </a:prstGeom>
+        </p:spPr>
+        <p:txBody>
+          <a:bodyPr vert="horz" lIns="0" tIns="36000" rIns="0" bIns="36000" rtlCol="0">
+            <a:normAutofit/>
+          </a:bodyPr>
+          <a:lstStyle>
+            <a:lvl1pPr marL="266700" indent="-266700" algn="l" defTabSz="914400" rtl="0" eaLnBrk="1" latinLnBrk="0" hangingPunct="1">
+              <a:spcBef>
+                <a:spcPct val="20000"/>
+              </a:spcBef>
+              <a:buFont typeface="Wingdings" pitchFamily="2" charset="2"/>
+              <a:buChar char="§"/>
+              <a:defRPr sz="2800" kern="1200">
+                <a:solidFill>
+                  <a:srgbClr val="808080"/>
+                </a:solidFill>
+                <a:latin typeface="Arial" pitchFamily="34" charset="0"/>
+                <a:ea typeface="+mn-ea"/>
+                <a:cs typeface="Arial" pitchFamily="34" charset="0"/>
+              </a:defRPr>
+            </a:lvl1pPr>
+            <a:lvl2pPr marL="533400" indent="-266700" algn="l" defTabSz="914400" rtl="0" eaLnBrk="1" latinLnBrk="0" hangingPunct="1">
+              <a:spcBef>
+                <a:spcPct val="20000"/>
+              </a:spcBef>
+              <a:buFont typeface="Wingdings" pitchFamily="2" charset="2"/>
+              <a:buChar char="§"/>
+              <a:defRPr sz="2400" kern="1200">
+                <a:solidFill>
+                  <a:srgbClr val="808080"/>
+                </a:solidFill>
+                <a:latin typeface="Arial" pitchFamily="34" charset="0"/>
+                <a:ea typeface="+mn-ea"/>
+                <a:cs typeface="Arial" pitchFamily="34" charset="0"/>
+              </a:defRPr>
+            </a:lvl2pPr>
+            <a:lvl3pPr marL="812800" indent="-279400" algn="l" defTabSz="914400" rtl="0" eaLnBrk="1" latinLnBrk="0" hangingPunct="1">
+              <a:spcBef>
+                <a:spcPct val="20000"/>
+              </a:spcBef>
+              <a:buFont typeface="Symbol" pitchFamily="18" charset="2"/>
+              <a:buChar char="-"/>
+              <a:defRPr sz="1800" kern="1200">
+                <a:solidFill>
+                  <a:srgbClr val="808080"/>
+                </a:solidFill>
+                <a:latin typeface="Arial" pitchFamily="34" charset="0"/>
+                <a:ea typeface="+mn-ea"/>
+                <a:cs typeface="Arial" pitchFamily="34" charset="0"/>
+              </a:defRPr>
+            </a:lvl3pPr>
+            <a:lvl4pPr marL="1600200" indent="-228600" algn="l" defTabSz="914400" rtl="0" eaLnBrk="1" latinLnBrk="0" hangingPunct="1">
+              <a:spcBef>
+                <a:spcPct val="20000"/>
+              </a:spcBef>
+              <a:buFont typeface="Arial" pitchFamily="34" charset="0"/>
+              <a:buChar char="–"/>
+              <a:defRPr sz="2000" kern="1200">
+                <a:solidFill>
+                  <a:schemeClr val="tx1"/>
+                </a:solidFill>
+                <a:latin typeface="Arial" pitchFamily="34" charset="0"/>
+                <a:ea typeface="+mn-ea"/>
+                <a:cs typeface="Arial" pitchFamily="34" charset="0"/>
+              </a:defRPr>
+            </a:lvl4pPr>
+            <a:lvl5pPr marL="2057400" indent="-228600" algn="l" defTabSz="914400" rtl="0" eaLnBrk="1" latinLnBrk="0" hangingPunct="1">
+              <a:spcBef>
+                <a:spcPct val="20000"/>
+              </a:spcBef>
+              <a:buFont typeface="Arial" pitchFamily="34" charset="0"/>
+              <a:buChar char="»"/>
+              <a:defRPr sz="2000" kern="1200">
+                <a:solidFill>
+                  <a:schemeClr val="tx1"/>
+                </a:solidFill>
+                <a:latin typeface="Arial" pitchFamily="34" charset="0"/>
+                <a:ea typeface="+mn-ea"/>
+                <a:cs typeface="Arial" pitchFamily="34" charset="0"/>
+              </a:defRPr>
+            </a:lvl5pPr>
+            <a:lvl6pPr marL="2514600" indent="-228600" algn="l" defTabSz="914400" rtl="0" eaLnBrk="1" latinLnBrk="0" hangingPunct="1">
+              <a:spcBef>
+                <a:spcPct val="20000"/>
+              </a:spcBef>
+              <a:buFont typeface="Arial" pitchFamily="34" charset="0"/>
+              <a:buChar char="•"/>
+              <a:defRPr sz="2000" kern="1200">
+                <a:solidFill>
+                  <a:schemeClr val="tx1"/>
+                </a:solidFill>
+                <a:latin typeface="+mn-lt"/>
+                <a:ea typeface="+mn-ea"/>
+                <a:cs typeface="+mn-cs"/>
+              </a:defRPr>
+            </a:lvl6pPr>
+            <a:lvl7pPr marL="2971800" indent="-228600" algn="l" defTabSz="914400" rtl="0" eaLnBrk="1" latinLnBrk="0" hangingPunct="1">
+              <a:spcBef>
+                <a:spcPct val="20000"/>
+              </a:spcBef>
+              <a:buFont typeface="Arial" pitchFamily="34" charset="0"/>
+              <a:buChar char="•"/>
+              <a:defRPr sz="2000" kern="1200">
+                <a:solidFill>
+                  <a:schemeClr val="tx1"/>
+                </a:solidFill>
+                <a:latin typeface="+mn-lt"/>
+                <a:ea typeface="+mn-ea"/>
+                <a:cs typeface="+mn-cs"/>
+              </a:defRPr>
+            </a:lvl7pPr>
+            <a:lvl8pPr marL="3429000" indent="-228600" algn="l" defTabSz="914400" rtl="0" eaLnBrk="1" latinLnBrk="0" hangingPunct="1">
+              <a:spcBef>
+                <a:spcPct val="20000"/>
+              </a:spcBef>
+              <a:buFont typeface="Arial" pitchFamily="34" charset="0"/>
+              <a:buChar char="•"/>
+              <a:defRPr sz="2000" kern="1200">
+                <a:solidFill>
+                  <a:schemeClr val="tx1"/>
+                </a:solidFill>
+                <a:latin typeface="+mn-lt"/>
+                <a:ea typeface="+mn-ea"/>
+                <a:cs typeface="+mn-cs"/>
+              </a:defRPr>
+            </a:lvl8pPr>
+            <a:lvl9pPr marL="3886200" indent="-228600" algn="l" defTabSz="914400" rtl="0" eaLnBrk="1" latinLnBrk="0" hangingPunct="1">
+              <a:spcBef>
+                <a:spcPct val="20000"/>
+              </a:spcBef>
+              <a:buFont typeface="Arial" pitchFamily="34" charset="0"/>
+              <a:buChar char="•"/>
+              <a:defRPr sz="2000" kern="1200">
+                <a:solidFill>
+                  <a:schemeClr val="tx1"/>
+                </a:solidFill>
+                <a:latin typeface="+mn-lt"/>
+                <a:ea typeface="+mn-ea"/>
+                <a:cs typeface="+mn-cs"/>
+              </a:defRPr>
+            </a:lvl9pPr>
+          </a:lstStyle>
+          <a:p>
+            <a:r>
+              <a:rPr lang="de-DE" dirty="0"/>
+              <a:t>Startvorgang</a:t>
+            </a:r>
+          </a:p>
+          <a:p>
+            <a:pPr lvl="1"/>
+            <a:r>
+              <a:rPr lang="de-DE" dirty="0"/>
+              <a:t>Szenen laden</a:t>
+            </a:r>
+          </a:p>
+          <a:p>
+            <a:pPr lvl="1"/>
+            <a:r>
+              <a:rPr lang="de-DE" dirty="0"/>
+              <a:t>Hub laden</a:t>
+            </a:r>
+          </a:p>
+          <a:p>
+            <a:pPr lvl="1"/>
+            <a:r>
+              <a:rPr lang="de-DE" dirty="0"/>
+              <a:t>Spieler erstellen</a:t>
+            </a:r>
+          </a:p>
+          <a:p>
+            <a:r>
+              <a:rPr lang="de-DE" dirty="0"/>
+              <a:t>Szenen sind </a:t>
+            </a:r>
+            <a:r>
+              <a:rPr lang="de-DE" u="sng" dirty="0"/>
+              <a:t>modular</a:t>
+            </a:r>
+          </a:p>
+          <a:p>
+            <a:pPr lvl="1"/>
+            <a:endParaRPr lang="de-DE" dirty="0"/>
+          </a:p>
+        </p:txBody>
+      </p:sp>
+    </p:spTree>
+    <p:extLst>
+      <p:ext uri="{BB962C8B-B14F-4D97-AF65-F5344CB8AC3E}">
+        <p14:creationId xmlns:p14="http://schemas.microsoft.com/office/powerpoint/2010/main" val="3550588440"/>
+      </p:ext>
+    </p:extLst>
+  </p:cSld>
+  <p:clrMapOvr>
+    <a:masterClrMapping/>
+  </p:clrMapOvr>
+</p:sld>
+</file>
+
+<file path=ppt/slides/slide8.xml><?xml version="1.0" encoding="utf-8"?>
+<p:sld xmlns:a="http://schemas.openxmlformats.org/drawingml/2006/main" xmlns:r="http://schemas.openxmlformats.org/officeDocument/2006/relationships" xmlns:p="http://schemas.openxmlformats.org/presentationml/2006/main">
+  <p:cSld>
+    <p:spTree>
+      <p:nvGrpSpPr>
+        <p:cNvPr id="1" name=""/>
+        <p:cNvGrpSpPr/>
+        <p:nvPr/>
+      </p:nvGrpSpPr>
+      <p:grpSpPr>
+        <a:xfrm>
+          <a:off x="0" y="0"/>
+          <a:ext cx="0" cy="0"/>
+          <a:chOff x="0" y="0"/>
+          <a:chExt cx="0" cy="0"/>
+        </a:xfrm>
+      </p:grpSpPr>
+      <p:sp>
+        <p:nvSpPr>
+          <p:cNvPr id="3" name="Titel 2">
+            <a:extLst>
+              <a:ext uri="{FF2B5EF4-FFF2-40B4-BE49-F238E27FC236}">
+                <a16:creationId xmlns:a16="http://schemas.microsoft.com/office/drawing/2014/main" id="{D7225391-9831-4AB3-B86C-F08CA53F8212}"/>
+              </a:ext>
+            </a:extLst>
+          </p:cNvPr>
+          <p:cNvSpPr>
+            <a:spLocks noGrp="1"/>
+          </p:cNvSpPr>
+          <p:nvPr>
+            <p:ph type="title"/>
+          </p:nvPr>
+        </p:nvSpPr>
+        <p:spPr/>
+        <p:txBody>
+          <a:bodyPr/>
+          <a:lstStyle/>
+          <a:p>
+            <a:r>
+              <a:rPr lang="de-DE" dirty="0"/>
+              <a:t>Sequenzdiagramm</a:t>
+            </a:r>
+          </a:p>
+        </p:txBody>
+      </p:sp>
+      <p:pic>
+        <p:nvPicPr>
+          <p:cNvPr id="4" name="Inhaltsplatzhalter 3">
+            <a:extLst>
+              <a:ext uri="{FF2B5EF4-FFF2-40B4-BE49-F238E27FC236}">
+                <a16:creationId xmlns:a16="http://schemas.microsoft.com/office/drawing/2014/main" id="{895AEE59-382E-43DC-AEA6-053E7AE51110}"/>
+              </a:ext>
+            </a:extLst>
+          </p:cNvPr>
+          <p:cNvPicPr>
+            <a:picLocks noGrp="1" noChangeAspect="1"/>
+          </p:cNvPicPr>
+          <p:nvPr>
+            <p:ph idx="1"/>
+          </p:nvPr>
+        </p:nvPicPr>
+        <p:blipFill>
+          <a:blip r:embed="rId2">
+            <a:extLst>
+              <a:ext uri="{28A0092B-C50C-407E-A947-70E740481C1C}">
+                <a14:useLocalDpi xmlns:a14="http://schemas.microsoft.com/office/drawing/2010/main" val="0"/>
+              </a:ext>
+            </a:extLst>
+          </a:blip>
+          <a:stretch>
+            <a:fillRect/>
+          </a:stretch>
+        </p:blipFill>
+        <p:spPr>
+          <a:xfrm>
+            <a:off x="5807968" y="501984"/>
+            <a:ext cx="5112568" cy="5854032"/>
+          </a:xfrm>
+          <a:prstGeom prst="rect">
+            <a:avLst/>
+          </a:prstGeom>
+        </p:spPr>
+      </p:pic>
+      <p:sp>
+        <p:nvSpPr>
+          <p:cNvPr id="5" name="Inhaltsplatzhalter 1">
+            <a:extLst>
+              <a:ext uri="{FF2B5EF4-FFF2-40B4-BE49-F238E27FC236}">
+                <a16:creationId xmlns:a16="http://schemas.microsoft.com/office/drawing/2014/main" id="{447A43CF-8963-40A1-8926-DA5D3478EFFC}"/>
+              </a:ext>
+            </a:extLst>
+          </p:cNvPr>
+          <p:cNvSpPr txBox="1">
+            <a:spLocks/>
+          </p:cNvSpPr>
+          <p:nvPr/>
+        </p:nvSpPr>
+        <p:spPr>
+          <a:xfrm>
+            <a:off x="576000" y="1980000"/>
+            <a:ext cx="5375984" cy="4320000"/>
+          </a:xfrm>
+          <a:prstGeom prst="rect">
+            <a:avLst/>
+          </a:prstGeom>
+        </p:spPr>
+        <p:txBody>
+          <a:bodyPr vert="horz" lIns="0" tIns="36000" rIns="0" bIns="36000" rtlCol="0">
+            <a:normAutofit/>
+          </a:bodyPr>
+          <a:lstStyle>
+            <a:lvl1pPr marL="266700" indent="-266700" algn="l" defTabSz="914400" rtl="0" eaLnBrk="1" latinLnBrk="0" hangingPunct="1">
+              <a:spcBef>
+                <a:spcPct val="20000"/>
+              </a:spcBef>
+              <a:buFont typeface="Wingdings" pitchFamily="2" charset="2"/>
+              <a:buChar char="§"/>
+              <a:defRPr sz="2800" kern="1200">
+                <a:solidFill>
+                  <a:srgbClr val="808080"/>
+                </a:solidFill>
+                <a:latin typeface="Arial" pitchFamily="34" charset="0"/>
+                <a:ea typeface="+mn-ea"/>
+                <a:cs typeface="Arial" pitchFamily="34" charset="0"/>
+              </a:defRPr>
+            </a:lvl1pPr>
+            <a:lvl2pPr marL="533400" indent="-266700" algn="l" defTabSz="914400" rtl="0" eaLnBrk="1" latinLnBrk="0" hangingPunct="1">
+              <a:spcBef>
+                <a:spcPct val="20000"/>
+              </a:spcBef>
+              <a:buFont typeface="Wingdings" pitchFamily="2" charset="2"/>
+              <a:buChar char="§"/>
+              <a:defRPr sz="2400" kern="1200">
+                <a:solidFill>
+                  <a:srgbClr val="808080"/>
+                </a:solidFill>
+                <a:latin typeface="Arial" pitchFamily="34" charset="0"/>
+                <a:ea typeface="+mn-ea"/>
+                <a:cs typeface="Arial" pitchFamily="34" charset="0"/>
+              </a:defRPr>
+            </a:lvl2pPr>
+            <a:lvl3pPr marL="812800" indent="-279400" algn="l" defTabSz="914400" rtl="0" eaLnBrk="1" latinLnBrk="0" hangingPunct="1">
+              <a:spcBef>
+                <a:spcPct val="20000"/>
+              </a:spcBef>
+              <a:buFont typeface="Symbol" pitchFamily="18" charset="2"/>
+              <a:buChar char="-"/>
+              <a:defRPr sz="1800" kern="1200">
+                <a:solidFill>
+                  <a:srgbClr val="808080"/>
+                </a:solidFill>
+                <a:latin typeface="Arial" pitchFamily="34" charset="0"/>
+                <a:ea typeface="+mn-ea"/>
+                <a:cs typeface="Arial" pitchFamily="34" charset="0"/>
+              </a:defRPr>
+            </a:lvl3pPr>
+            <a:lvl4pPr marL="1600200" indent="-228600" algn="l" defTabSz="914400" rtl="0" eaLnBrk="1" latinLnBrk="0" hangingPunct="1">
+              <a:spcBef>
+                <a:spcPct val="20000"/>
+              </a:spcBef>
+              <a:buFont typeface="Arial" pitchFamily="34" charset="0"/>
+              <a:buChar char="–"/>
+              <a:defRPr sz="2000" kern="1200">
+                <a:solidFill>
+                  <a:schemeClr val="tx1"/>
+                </a:solidFill>
+                <a:latin typeface="Arial" pitchFamily="34" charset="0"/>
+                <a:ea typeface="+mn-ea"/>
+                <a:cs typeface="Arial" pitchFamily="34" charset="0"/>
+              </a:defRPr>
+            </a:lvl4pPr>
+            <a:lvl5pPr marL="2057400" indent="-228600" algn="l" defTabSz="914400" rtl="0" eaLnBrk="1" latinLnBrk="0" hangingPunct="1">
+              <a:spcBef>
+                <a:spcPct val="20000"/>
+              </a:spcBef>
+              <a:buFont typeface="Arial" pitchFamily="34" charset="0"/>
+              <a:buChar char="»"/>
+              <a:defRPr sz="2000" kern="1200">
+                <a:solidFill>
+                  <a:schemeClr val="tx1"/>
+                </a:solidFill>
+                <a:latin typeface="Arial" pitchFamily="34" charset="0"/>
+                <a:ea typeface="+mn-ea"/>
+                <a:cs typeface="Arial" pitchFamily="34" charset="0"/>
+              </a:defRPr>
+            </a:lvl5pPr>
+            <a:lvl6pPr marL="2514600" indent="-228600" algn="l" defTabSz="914400" rtl="0" eaLnBrk="1" latinLnBrk="0" hangingPunct="1">
+              <a:spcBef>
+                <a:spcPct val="20000"/>
+              </a:spcBef>
+              <a:buFont typeface="Arial" pitchFamily="34" charset="0"/>
+              <a:buChar char="•"/>
+              <a:defRPr sz="2000" kern="1200">
+                <a:solidFill>
+                  <a:schemeClr val="tx1"/>
+                </a:solidFill>
+                <a:latin typeface="+mn-lt"/>
+                <a:ea typeface="+mn-ea"/>
+                <a:cs typeface="+mn-cs"/>
+              </a:defRPr>
+            </a:lvl6pPr>
+            <a:lvl7pPr marL="2971800" indent="-228600" algn="l" defTabSz="914400" rtl="0" eaLnBrk="1" latinLnBrk="0" hangingPunct="1">
+              <a:spcBef>
+                <a:spcPct val="20000"/>
+              </a:spcBef>
+              <a:buFont typeface="Arial" pitchFamily="34" charset="0"/>
+              <a:buChar char="•"/>
+              <a:defRPr sz="2000" kern="1200">
+                <a:solidFill>
+                  <a:schemeClr val="tx1"/>
+                </a:solidFill>
+                <a:latin typeface="+mn-lt"/>
+                <a:ea typeface="+mn-ea"/>
+                <a:cs typeface="+mn-cs"/>
+              </a:defRPr>
+            </a:lvl7pPr>
+            <a:lvl8pPr marL="3429000" indent="-228600" algn="l" defTabSz="914400" rtl="0" eaLnBrk="1" latinLnBrk="0" hangingPunct="1">
+              <a:spcBef>
+                <a:spcPct val="20000"/>
+              </a:spcBef>
+              <a:buFont typeface="Arial" pitchFamily="34" charset="0"/>
+              <a:buChar char="•"/>
+              <a:defRPr sz="2000" kern="1200">
+                <a:solidFill>
+                  <a:schemeClr val="tx1"/>
+                </a:solidFill>
+                <a:latin typeface="+mn-lt"/>
+                <a:ea typeface="+mn-ea"/>
+                <a:cs typeface="+mn-cs"/>
+              </a:defRPr>
+            </a:lvl8pPr>
+            <a:lvl9pPr marL="3886200" indent="-228600" algn="l" defTabSz="914400" rtl="0" eaLnBrk="1" latinLnBrk="0" hangingPunct="1">
+              <a:spcBef>
+                <a:spcPct val="20000"/>
+              </a:spcBef>
+              <a:buFont typeface="Arial" pitchFamily="34" charset="0"/>
+              <a:buChar char="•"/>
+              <a:defRPr sz="2000" kern="1200">
+                <a:solidFill>
+                  <a:schemeClr val="tx1"/>
+                </a:solidFill>
+                <a:latin typeface="+mn-lt"/>
+                <a:ea typeface="+mn-ea"/>
+                <a:cs typeface="+mn-cs"/>
+              </a:defRPr>
+            </a:lvl9pPr>
+          </a:lstStyle>
+          <a:p>
+            <a:r>
+              <a:rPr lang="de-DE" dirty="0"/>
+              <a:t>Typischer Spielvorgang</a:t>
+            </a:r>
+          </a:p>
+          <a:p>
+            <a:pPr lvl="1"/>
+            <a:r>
+              <a:rPr lang="de-DE" dirty="0"/>
+              <a:t>Bewegen</a:t>
+            </a:r>
+          </a:p>
+          <a:p>
+            <a:pPr lvl="1"/>
+            <a:r>
+              <a:rPr lang="de-DE" dirty="0"/>
+              <a:t>Knopf-Interaction</a:t>
+            </a:r>
+          </a:p>
+          <a:p>
+            <a:pPr lvl="1"/>
+            <a:r>
+              <a:rPr lang="de-DE" dirty="0"/>
+              <a:t>Spieler transportieren</a:t>
+            </a:r>
+          </a:p>
+          <a:p>
+            <a:endParaRPr lang="de-DE" dirty="0"/>
+          </a:p>
+          <a:p>
+            <a:pPr lvl="1"/>
+            <a:endParaRPr lang="de-DE" dirty="0"/>
+          </a:p>
+        </p:txBody>
+      </p:sp>
+    </p:spTree>
+    <p:extLst>
+      <p:ext uri="{BB962C8B-B14F-4D97-AF65-F5344CB8AC3E}">
+        <p14:creationId xmlns:p14="http://schemas.microsoft.com/office/powerpoint/2010/main" val="2003784591"/>
       </p:ext>
     </p:extLst>
   </p:cSld>
@@ -5761,36 +6443,12 @@
 </file>
 
 <file path=customXml/item1.xml><?xml version="1.0" encoding="utf-8"?>
-<p:properties xmlns:p="http://schemas.microsoft.com/office/2006/metadata/properties" xmlns:xsi="http://www.w3.org/2001/XMLSchema-instance" xmlns:pc="http://schemas.microsoft.com/office/infopath/2007/PartnerControls">
-  <documentManagement>
-    <TaxCatchAll xmlns="2849ec3c-3bba-402d-9ba5-165a61c8a092">
-      <Value>108</Value>
-      <Value>135</Value>
-    </TaxCatchAll>
-    <Lexikonartikel xmlns="821bfd73-a8f8-428c-85e3-f70db19f29b1">
-      <Value>246</Value>
-      <Value>189</Value>
-    </Lexikonartikel>
-    <afe5281e6d094665b52204813a29ab34 xmlns="821bfd73-a8f8-428c-85e3-f70db19f29b1">
-      <Terms xmlns="http://schemas.microsoft.com/office/infopath/2007/PartnerControls">
-        <TermInfo xmlns="http://schemas.microsoft.com/office/infopath/2007/PartnerControls">
-          <TermName xmlns="http://schemas.microsoft.com/office/infopath/2007/PartnerControls">Hochschulkommunikation</TermName>
-          <TermId xmlns="http://schemas.microsoft.com/office/infopath/2007/PartnerControls">149f90c9-b203-4e15-ba09-1300412023c1</TermId>
-        </TermInfo>
-      </Terms>
-    </afe5281e6d094665b52204813a29ab34>
-    <g07167ff4aea420ab3522ead432b7a08 xmlns="821bfd73-a8f8-428c-85e3-f70db19f29b1">
-      <Terms xmlns="http://schemas.microsoft.com/office/infopath/2007/PartnerControls">
-        <TermInfo xmlns="http://schemas.microsoft.com/office/infopath/2007/PartnerControls">
-          <TermName xmlns="http://schemas.microsoft.com/office/infopath/2007/PartnerControls">Formular / Vorlage</TermName>
-          <TermId xmlns="http://schemas.microsoft.com/office/infopath/2007/PartnerControls">06a6aa7c-3cd7-4c93-a26d-c2f51c2e5d9a</TermId>
-        </TermInfo>
-      </Terms>
-    </g07167ff4aea420ab3522ead432b7a08>
-    <PublishingExpirationDate xmlns="http://schemas.microsoft.com/sharepoint/v3" xsi:nil="true"/>
-    <PublishingStartDate xmlns="http://schemas.microsoft.com/sharepoint/v3" xsi:nil="true"/>
-  </documentManagement>
-</p:properties>
+<?mso-contentType ?>
+<FormTemplates xmlns="http://schemas.microsoft.com/sharepoint/v3/contenttype/forms">
+  <Display>DocumentLibraryForm</Display>
+  <Edit>DocumentLibraryForm</Edit>
+  <New>DocumentLibraryForm</New>
+</FormTemplates>
 </file>
 
 <file path=customXml/item2.xml><?xml version="1.0" encoding="utf-8"?>
@@ -5976,28 +6634,42 @@
 </file>
 
 <file path=customXml/item3.xml><?xml version="1.0" encoding="utf-8"?>
-<?mso-contentType ?>
-<FormTemplates xmlns="http://schemas.microsoft.com/sharepoint/v3/contenttype/forms">
-  <Display>DocumentLibraryForm</Display>
-  <Edit>DocumentLibraryForm</Edit>
-  <New>DocumentLibraryForm</New>
-</FormTemplates>
+<p:properties xmlns:p="http://schemas.microsoft.com/office/2006/metadata/properties" xmlns:xsi="http://www.w3.org/2001/XMLSchema-instance" xmlns:pc="http://schemas.microsoft.com/office/infopath/2007/PartnerControls">
+  <documentManagement>
+    <TaxCatchAll xmlns="2849ec3c-3bba-402d-9ba5-165a61c8a092">
+      <Value>108</Value>
+      <Value>135</Value>
+    </TaxCatchAll>
+    <Lexikonartikel xmlns="821bfd73-a8f8-428c-85e3-f70db19f29b1">
+      <Value>246</Value>
+      <Value>189</Value>
+    </Lexikonartikel>
+    <afe5281e6d094665b52204813a29ab34 xmlns="821bfd73-a8f8-428c-85e3-f70db19f29b1">
+      <Terms xmlns="http://schemas.microsoft.com/office/infopath/2007/PartnerControls">
+        <TermInfo xmlns="http://schemas.microsoft.com/office/infopath/2007/PartnerControls">
+          <TermName xmlns="http://schemas.microsoft.com/office/infopath/2007/PartnerControls">Hochschulkommunikation</TermName>
+          <TermId xmlns="http://schemas.microsoft.com/office/infopath/2007/PartnerControls">149f90c9-b203-4e15-ba09-1300412023c1</TermId>
+        </TermInfo>
+      </Terms>
+    </afe5281e6d094665b52204813a29ab34>
+    <g07167ff4aea420ab3522ead432b7a08 xmlns="821bfd73-a8f8-428c-85e3-f70db19f29b1">
+      <Terms xmlns="http://schemas.microsoft.com/office/infopath/2007/PartnerControls">
+        <TermInfo xmlns="http://schemas.microsoft.com/office/infopath/2007/PartnerControls">
+          <TermName xmlns="http://schemas.microsoft.com/office/infopath/2007/PartnerControls">Formular / Vorlage</TermName>
+          <TermId xmlns="http://schemas.microsoft.com/office/infopath/2007/PartnerControls">06a6aa7c-3cd7-4c93-a26d-c2f51c2e5d9a</TermId>
+        </TermInfo>
+      </Terms>
+    </g07167ff4aea420ab3522ead432b7a08>
+    <PublishingExpirationDate xmlns="http://schemas.microsoft.com/sharepoint/v3" xsi:nil="true"/>
+    <PublishingStartDate xmlns="http://schemas.microsoft.com/sharepoint/v3" xsi:nil="true"/>
+  </documentManagement>
+</p:properties>
 </file>
 
 <file path=customXml/itemProps1.xml><?xml version="1.0" encoding="utf-8"?>
-<ds:datastoreItem xmlns:ds="http://schemas.openxmlformats.org/officeDocument/2006/customXml" ds:itemID="{E9F8F853-DB14-4E26-9159-30E314C55244}">
+<ds:datastoreItem xmlns:ds="http://schemas.openxmlformats.org/officeDocument/2006/customXml" ds:itemID="{7B0EAF80-A70D-4FE4-8D4E-5892E0845FA2}">
   <ds:schemaRefs>
-    <ds:schemaRef ds:uri="http://schemas.microsoft.com/sharepoint/v3"/>
-    <ds:schemaRef ds:uri="http://schemas.microsoft.com/office/2006/documentManagement/types"/>
-    <ds:schemaRef ds:uri="http://schemas.openxmlformats.org/package/2006/metadata/core-properties"/>
-    <ds:schemaRef ds:uri="http://purl.org/dc/dcmitype/"/>
-    <ds:schemaRef ds:uri="http://purl.org/dc/elements/1.1/"/>
-    <ds:schemaRef ds:uri="2849ec3c-3bba-402d-9ba5-165a61c8a092"/>
-    <ds:schemaRef ds:uri="http://schemas.microsoft.com/office/2006/metadata/properties"/>
-    <ds:schemaRef ds:uri="http://schemas.microsoft.com/office/infopath/2007/PartnerControls"/>
-    <ds:schemaRef ds:uri="821bfd73-a8f8-428c-85e3-f70db19f29b1"/>
-    <ds:schemaRef ds:uri="http://www.w3.org/XML/1998/namespace"/>
-    <ds:schemaRef ds:uri="http://purl.org/dc/terms/"/>
+    <ds:schemaRef ds:uri="http://schemas.microsoft.com/sharepoint/v3/contenttype/forms"/>
   </ds:schemaRefs>
 </ds:datastoreItem>
 </file>
@@ -6023,9 +6695,19 @@
 </file>
 
 <file path=customXml/itemProps3.xml><?xml version="1.0" encoding="utf-8"?>
-<ds:datastoreItem xmlns:ds="http://schemas.openxmlformats.org/officeDocument/2006/customXml" ds:itemID="{7B0EAF80-A70D-4FE4-8D4E-5892E0845FA2}">
+<ds:datastoreItem xmlns:ds="http://schemas.openxmlformats.org/officeDocument/2006/customXml" ds:itemID="{E9F8F853-DB14-4E26-9159-30E314C55244}">
   <ds:schemaRefs>
-    <ds:schemaRef ds:uri="http://schemas.microsoft.com/sharepoint/v3/contenttype/forms"/>
+    <ds:schemaRef ds:uri="http://schemas.microsoft.com/sharepoint/v3"/>
+    <ds:schemaRef ds:uri="http://schemas.microsoft.com/office/2006/documentManagement/types"/>
+    <ds:schemaRef ds:uri="http://schemas.openxmlformats.org/package/2006/metadata/core-properties"/>
+    <ds:schemaRef ds:uri="http://purl.org/dc/dcmitype/"/>
+    <ds:schemaRef ds:uri="http://purl.org/dc/elements/1.1/"/>
+    <ds:schemaRef ds:uri="2849ec3c-3bba-402d-9ba5-165a61c8a092"/>
+    <ds:schemaRef ds:uri="http://schemas.microsoft.com/office/2006/metadata/properties"/>
+    <ds:schemaRef ds:uri="http://schemas.microsoft.com/office/infopath/2007/PartnerControls"/>
+    <ds:schemaRef ds:uri="821bfd73-a8f8-428c-85e3-f70db19f29b1"/>
+    <ds:schemaRef ds:uri="http://www.w3.org/XML/1998/namespace"/>
+    <ds:schemaRef ds:uri="http://purl.org/dc/terms/"/>
   </ds:schemaRefs>
 </ds:datastoreItem>
 </file>
--- a/doc/Projekt Digitale Stadt.pptx
+++ b/doc/Projekt Digitale Stadt.pptx
@@ -5,7 +5,7 @@
     <p:sldMasterId id="2147483648" r:id="rId4"/>
   </p:sldMasterIdLst>
   <p:notesMasterIdLst>
-    <p:notesMasterId r:id="rId13"/>
+    <p:notesMasterId r:id="rId14"/>
   </p:notesMasterIdLst>
   <p:sldIdLst>
     <p:sldId id="256" r:id="rId5"/>
@@ -14,8 +14,9 @@
     <p:sldId id="364" r:id="rId8"/>
     <p:sldId id="366" r:id="rId9"/>
     <p:sldId id="365" r:id="rId10"/>
-    <p:sldId id="367" r:id="rId11"/>
-    <p:sldId id="368" r:id="rId12"/>
+    <p:sldId id="370" r:id="rId11"/>
+    <p:sldId id="367" r:id="rId12"/>
+    <p:sldId id="368" r:id="rId13"/>
   </p:sldIdLst>
   <p:sldSz cx="12192000" cy="6858000"/>
   <p:notesSz cx="6858000" cy="9144000"/>
@@ -148,6 +149,90 @@
 </p:presentation>
 </file>
 
+<file path=ppt/changesInfos/changesInfo1.xml><?xml version="1.0" encoding="utf-8"?>
+<pc:chgInfo xmlns:a="http://schemas.openxmlformats.org/drawingml/2006/main" xmlns:r="http://schemas.openxmlformats.org/officeDocument/2006/relationships" xmlns:ac="http://schemas.microsoft.com/office/drawing/2013/main/command" xmlns:pc="http://schemas.microsoft.com/office/powerpoint/2013/main/command">
+  <pc:docChgLst>
+    <pc:chgData name="Rafael Zipper" userId="8b767af9-fd44-4adb-a45a-9862043b186f" providerId="ADAL" clId="{0F69F61C-DDB8-4C49-9B0C-3B2E89287B02}"/>
+    <pc:docChg chg="custSel addSld delSld modSld sldOrd">
+      <pc:chgData name="Rafael Zipper" userId="8b767af9-fd44-4adb-a45a-9862043b186f" providerId="ADAL" clId="{0F69F61C-DDB8-4C49-9B0C-3B2E89287B02}" dt="2021-12-13T15:26:05.315" v="41" actId="2696"/>
+      <pc:docMkLst>
+        <pc:docMk/>
+      </pc:docMkLst>
+      <pc:sldChg chg="addSp modSp add del mod">
+        <pc:chgData name="Rafael Zipper" userId="8b767af9-fd44-4adb-a45a-9862043b186f" providerId="ADAL" clId="{0F69F61C-DDB8-4C49-9B0C-3B2E89287B02}" dt="2021-12-13T15:26:05.315" v="41" actId="2696"/>
+        <pc:sldMkLst>
+          <pc:docMk/>
+          <pc:sldMk cId="2185677446" sldId="369"/>
+        </pc:sldMkLst>
+        <pc:spChg chg="mod">
+          <ac:chgData name="Rafael Zipper" userId="8b767af9-fd44-4adb-a45a-9862043b186f" providerId="ADAL" clId="{0F69F61C-DDB8-4C49-9B0C-3B2E89287B02}" dt="2021-12-13T15:22:07.910" v="11" actId="20577"/>
+          <ac:spMkLst>
+            <pc:docMk/>
+            <pc:sldMk cId="2185677446" sldId="369"/>
+            <ac:spMk id="8" creationId="{E8290F49-F294-4611-8C80-32EDF3FE258D}"/>
+          </ac:spMkLst>
+        </pc:spChg>
+        <pc:picChg chg="add">
+          <ac:chgData name="Rafael Zipper" userId="8b767af9-fd44-4adb-a45a-9862043b186f" providerId="ADAL" clId="{0F69F61C-DDB8-4C49-9B0C-3B2E89287B02}" dt="2021-12-13T15:24:37.775" v="12" actId="22"/>
+          <ac:picMkLst>
+            <pc:docMk/>
+            <pc:sldMk cId="2185677446" sldId="369"/>
+            <ac:picMk id="4" creationId="{7F4C4C13-BCE0-4AC7-A107-7C71DB55042E}"/>
+          </ac:picMkLst>
+        </pc:picChg>
+      </pc:sldChg>
+      <pc:sldChg chg="addSp delSp modSp add mod ord">
+        <pc:chgData name="Rafael Zipper" userId="8b767af9-fd44-4adb-a45a-9862043b186f" providerId="ADAL" clId="{0F69F61C-DDB8-4C49-9B0C-3B2E89287B02}" dt="2021-12-13T15:25:46.955" v="40" actId="20577"/>
+        <pc:sldMkLst>
+          <pc:docMk/>
+          <pc:sldMk cId="1019009832" sldId="370"/>
+        </pc:sldMkLst>
+        <pc:spChg chg="mod">
+          <ac:chgData name="Rafael Zipper" userId="8b767af9-fd44-4adb-a45a-9862043b186f" providerId="ADAL" clId="{0F69F61C-DDB8-4C49-9B0C-3B2E89287B02}" dt="2021-12-13T15:25:46.955" v="40" actId="20577"/>
+          <ac:spMkLst>
+            <pc:docMk/>
+            <pc:sldMk cId="1019009832" sldId="370"/>
+            <ac:spMk id="3" creationId="{342D13E2-E2D5-4DAC-960B-F7C9D7CBB22C}"/>
+          </ac:spMkLst>
+        </pc:spChg>
+        <pc:spChg chg="add del mod">
+          <ac:chgData name="Rafael Zipper" userId="8b767af9-fd44-4adb-a45a-9862043b186f" providerId="ADAL" clId="{0F69F61C-DDB8-4C49-9B0C-3B2E89287B02}" dt="2021-12-13T15:25:22.313" v="19" actId="478"/>
+          <ac:spMkLst>
+            <pc:docMk/>
+            <pc:sldMk cId="1019009832" sldId="370"/>
+            <ac:spMk id="6" creationId="{36BCECAD-850B-4217-9355-F4C7FD10EB96}"/>
+          </ac:spMkLst>
+        </pc:spChg>
+        <pc:spChg chg="del">
+          <ac:chgData name="Rafael Zipper" userId="8b767af9-fd44-4adb-a45a-9862043b186f" providerId="ADAL" clId="{0F69F61C-DDB8-4C49-9B0C-3B2E89287B02}" dt="2021-12-13T15:25:11.209" v="17" actId="478"/>
+          <ac:spMkLst>
+            <pc:docMk/>
+            <pc:sldMk cId="1019009832" sldId="370"/>
+            <ac:spMk id="14" creationId="{E9B27E9E-AFB4-4053-9562-EBD4BF68C983}"/>
+          </ac:spMkLst>
+        </pc:spChg>
+        <pc:picChg chg="add mod">
+          <ac:chgData name="Rafael Zipper" userId="8b767af9-fd44-4adb-a45a-9862043b186f" providerId="ADAL" clId="{0F69F61C-DDB8-4C49-9B0C-3B2E89287B02}" dt="2021-12-13T15:25:33.999" v="23" actId="1076"/>
+          <ac:picMkLst>
+            <pc:docMk/>
+            <pc:sldMk cId="1019009832" sldId="370"/>
+            <ac:picMk id="4" creationId="{0EA4A95E-4EF8-480F-B2FB-9618DD3FA2F7}"/>
+          </ac:picMkLst>
+        </pc:picChg>
+        <pc:picChg chg="del">
+          <ac:chgData name="Rafael Zipper" userId="8b767af9-fd44-4adb-a45a-9862043b186f" providerId="ADAL" clId="{0F69F61C-DDB8-4C49-9B0C-3B2E89287B02}" dt="2021-12-13T15:25:13.460" v="18" actId="478"/>
+          <ac:picMkLst>
+            <pc:docMk/>
+            <pc:sldMk cId="1019009832" sldId="370"/>
+            <ac:picMk id="10" creationId="{F323F95E-757E-4396-9E9E-002F9F97D07B}"/>
+          </ac:picMkLst>
+        </pc:picChg>
+      </pc:sldChg>
+    </pc:docChg>
+  </pc:docChgLst>
+</pc:chgInfo>
+</file>
+
 <file path=ppt/notesMasters/notesMaster1.xml><?xml version="1.0" encoding="utf-8"?>
 <p:notesMaster xmlns:a="http://schemas.openxmlformats.org/drawingml/2006/main" xmlns:r="http://schemas.openxmlformats.org/officeDocument/2006/relationships" xmlns:p="http://schemas.openxmlformats.org/presentationml/2006/main">
   <p:cSld>
@@ -230,7 +315,7 @@
           <a:p>
             <a:fld id="{A314B821-B968-4E43-8B36-A4F1C6486253}" type="datetimeFigureOut">
               <a:rPr lang="de-DE" smtClean="0"/>
-              <a:t>11.12.2021</a:t>
+              <a:t>13.12.2021</a:t>
             </a:fld>
             <a:endParaRPr lang="de-DE"/>
           </a:p>
@@ -655,6 +740,90 @@
     </p:spTree>
     <p:extLst>
       <p:ext uri="{BB962C8B-B14F-4D97-AF65-F5344CB8AC3E}">
+        <p14:creationId xmlns:p14="http://schemas.microsoft.com/office/powerpoint/2010/main" val="3971062713"/>
+      </p:ext>
+    </p:extLst>
+  </p:cSld>
+  <p:clrMapOvr>
+    <a:masterClrMapping/>
+  </p:clrMapOvr>
+</p:notes>
+</file>
+
+<file path=ppt/notesSlides/notesSlide3.xml><?xml version="1.0" encoding="utf-8"?>
+<p:notes xmlns:a="http://schemas.openxmlformats.org/drawingml/2006/main" xmlns:r="http://schemas.openxmlformats.org/officeDocument/2006/relationships" xmlns:p="http://schemas.openxmlformats.org/presentationml/2006/main">
+  <p:cSld>
+    <p:spTree>
+      <p:nvGrpSpPr>
+        <p:cNvPr id="1" name=""/>
+        <p:cNvGrpSpPr/>
+        <p:nvPr/>
+      </p:nvGrpSpPr>
+      <p:grpSpPr>
+        <a:xfrm>
+          <a:off x="0" y="0"/>
+          <a:ext cx="0" cy="0"/>
+          <a:chOff x="0" y="0"/>
+          <a:chExt cx="0" cy="0"/>
+        </a:xfrm>
+      </p:grpSpPr>
+      <p:sp>
+        <p:nvSpPr>
+          <p:cNvPr id="2" name="Folienbildplatzhalter 1"/>
+          <p:cNvSpPr>
+            <a:spLocks noGrp="1" noRot="1" noChangeAspect="1"/>
+          </p:cNvSpPr>
+          <p:nvPr>
+            <p:ph type="sldImg"/>
+          </p:nvPr>
+        </p:nvSpPr>
+        <p:spPr/>
+      </p:sp>
+      <p:sp>
+        <p:nvSpPr>
+          <p:cNvPr id="3" name="Notizenplatzhalter 2"/>
+          <p:cNvSpPr>
+            <a:spLocks noGrp="1"/>
+          </p:cNvSpPr>
+          <p:nvPr>
+            <p:ph type="body" idx="1"/>
+          </p:nvPr>
+        </p:nvSpPr>
+        <p:spPr/>
+        <p:txBody>
+          <a:bodyPr/>
+          <a:lstStyle/>
+          <a:p>
+            <a:endParaRPr lang="de-DE" dirty="0"/>
+          </a:p>
+        </p:txBody>
+      </p:sp>
+      <p:sp>
+        <p:nvSpPr>
+          <p:cNvPr id="4" name="Foliennummernplatzhalter 3"/>
+          <p:cNvSpPr>
+            <a:spLocks noGrp="1"/>
+          </p:cNvSpPr>
+          <p:nvPr>
+            <p:ph type="sldNum" sz="quarter" idx="5"/>
+          </p:nvPr>
+        </p:nvSpPr>
+        <p:spPr/>
+        <p:txBody>
+          <a:bodyPr/>
+          <a:lstStyle/>
+          <a:p>
+            <a:fld id="{B44F8D1D-8336-4B08-9381-056686C8B284}" type="slidenum">
+              <a:rPr lang="de-DE" smtClean="0"/>
+              <a:t>8</a:t>
+            </a:fld>
+            <a:endParaRPr lang="de-DE"/>
+          </a:p>
+        </p:txBody>
+      </p:sp>
+    </p:spTree>
+    <p:extLst>
+      <p:ext uri="{BB962C8B-B14F-4D97-AF65-F5344CB8AC3E}">
         <p14:creationId xmlns:p14="http://schemas.microsoft.com/office/powerpoint/2010/main" val="1407582576"/>
       </p:ext>
     </p:extLst>
@@ -1370,7 +1539,7 @@
           <a:p>
             <a:fld id="{6E7377B8-7098-4304-968E-D69D6386D549}" type="datetimeFigureOut">
               <a:rPr lang="de-DE" smtClean="0"/>
-              <a:t>11.12.2021</a:t>
+              <a:t>13.12.2021</a:t>
             </a:fld>
             <a:endParaRPr lang="de-DE" dirty="0"/>
           </a:p>
@@ -1836,7 +2005,7 @@
           <a:p>
             <a:fld id="{6E7377B8-7098-4304-968E-D69D6386D549}" type="datetimeFigureOut">
               <a:rPr lang="de-DE" smtClean="0"/>
-              <a:t>11.12.2021</a:t>
+              <a:t>13.12.2021</a:t>
             </a:fld>
             <a:endParaRPr lang="de-DE"/>
           </a:p>
@@ -2404,7 +2573,7 @@
           <a:p>
             <a:fld id="{6E7377B8-7098-4304-968E-D69D6386D549}" type="datetimeFigureOut">
               <a:rPr lang="de-DE" smtClean="0"/>
-              <a:t>11.12.2021</a:t>
+              <a:t>13.12.2021</a:t>
             </a:fld>
             <a:endParaRPr lang="de-DE"/>
           </a:p>
@@ -2699,7 +2868,7 @@
           <a:p>
             <a:fld id="{6E7377B8-7098-4304-968E-D69D6386D549}" type="datetimeFigureOut">
               <a:rPr lang="de-DE" smtClean="0"/>
-              <a:t>11.12.2021</a:t>
+              <a:t>13.12.2021</a:t>
             </a:fld>
             <a:endParaRPr lang="de-DE"/>
           </a:p>
@@ -2971,7 +3140,7 @@
           <a:p>
             <a:fld id="{6E7377B8-7098-4304-968E-D69D6386D549}" type="datetimeFigureOut">
               <a:rPr lang="de-DE" smtClean="0"/>
-              <a:t>11.12.2021</a:t>
+              <a:t>13.12.2021</a:t>
             </a:fld>
             <a:endParaRPr lang="de-DE"/>
           </a:p>
@@ -4217,7 +4386,7 @@
             <a:fld id="{6E7377B8-7098-4304-968E-D69D6386D549}" type="datetimeFigureOut">
               <a:rPr lang="de-DE" smtClean="0"/>
               <a:pPr/>
-              <a:t>11.12.2021</a:t>
+              <a:t>13.12.2021</a:t>
             </a:fld>
             <a:endParaRPr lang="de-DE" dirty="0"/>
           </a:p>
@@ -5317,6 +5486,94 @@
           <a:chExt cx="0" cy="0"/>
         </a:xfrm>
       </p:grpSpPr>
+      <p:sp>
+        <p:nvSpPr>
+          <p:cNvPr id="3" name="Titel 2">
+            <a:extLst>
+              <a:ext uri="{FF2B5EF4-FFF2-40B4-BE49-F238E27FC236}">
+                <a16:creationId xmlns:a16="http://schemas.microsoft.com/office/drawing/2014/main" id="{342D13E2-E2D5-4DAC-960B-F7C9D7CBB22C}"/>
+              </a:ext>
+            </a:extLst>
+          </p:cNvPr>
+          <p:cNvSpPr>
+            <a:spLocks noGrp="1"/>
+          </p:cNvSpPr>
+          <p:nvPr>
+            <p:ph type="title"/>
+          </p:nvPr>
+        </p:nvSpPr>
+        <p:spPr/>
+        <p:txBody>
+          <a:bodyPr/>
+          <a:lstStyle/>
+          <a:p>
+            <a:r>
+              <a:rPr lang="de-DE" dirty="0"/>
+              <a:t>Klassendiagramm</a:t>
+            </a:r>
+          </a:p>
+        </p:txBody>
+      </p:sp>
+      <p:pic>
+        <p:nvPicPr>
+          <p:cNvPr id="4" name="Grafik 3">
+            <a:extLst>
+              <a:ext uri="{FF2B5EF4-FFF2-40B4-BE49-F238E27FC236}">
+                <a16:creationId xmlns:a16="http://schemas.microsoft.com/office/drawing/2014/main" id="{0EA4A95E-4EF8-480F-B2FB-9618DD3FA2F7}"/>
+              </a:ext>
+            </a:extLst>
+          </p:cNvPr>
+          <p:cNvPicPr>
+            <a:picLocks noChangeAspect="1"/>
+          </p:cNvPicPr>
+          <p:nvPr/>
+        </p:nvPicPr>
+        <p:blipFill>
+          <a:blip r:embed="rId3"/>
+          <a:stretch>
+            <a:fillRect/>
+          </a:stretch>
+        </p:blipFill>
+        <p:spPr>
+          <a:xfrm>
+            <a:off x="1260894" y="2276872"/>
+            <a:ext cx="9670212" cy="3246184"/>
+          </a:xfrm>
+          <a:prstGeom prst="rect">
+            <a:avLst/>
+          </a:prstGeom>
+        </p:spPr>
+      </p:pic>
+    </p:spTree>
+    <p:extLst>
+      <p:ext uri="{BB962C8B-B14F-4D97-AF65-F5344CB8AC3E}">
+        <p14:creationId xmlns:p14="http://schemas.microsoft.com/office/powerpoint/2010/main" val="1019009832"/>
+      </p:ext>
+    </p:extLst>
+  </p:cSld>
+  <p:clrMapOvr>
+    <a:masterClrMapping/>
+  </p:clrMapOvr>
+</p:sld>
+</file>
+
+<file path=ppt/slides/slide8.xml><?xml version="1.0" encoding="utf-8"?>
+<p:sld xmlns:a="http://schemas.openxmlformats.org/drawingml/2006/main" xmlns:r="http://schemas.openxmlformats.org/officeDocument/2006/relationships" xmlns:p="http://schemas.openxmlformats.org/presentationml/2006/main">
+  <p:cSld>
+    <p:spTree>
+      <p:nvGrpSpPr>
+        <p:cNvPr id="1" name=""/>
+        <p:cNvGrpSpPr/>
+        <p:nvPr/>
+      </p:nvGrpSpPr>
+      <p:grpSpPr>
+        <a:xfrm>
+          <a:off x="0" y="0"/>
+          <a:ext cx="0" cy="0"/>
+          <a:chOff x="0" y="0"/>
+          <a:chExt cx="0" cy="0"/>
+        </a:xfrm>
+      </p:grpSpPr>
       <p:pic>
         <p:nvPicPr>
           <p:cNvPr id="10" name="Inhaltsplatzhalter 9">
@@ -5600,7 +5857,7 @@
 </p:sld>
 </file>
 
-<file path=ppt/slides/slide8.xml><?xml version="1.0" encoding="utf-8"?>
+<file path=ppt/slides/slide9.xml><?xml version="1.0" encoding="utf-8"?>
 <p:sld xmlns:a="http://schemas.openxmlformats.org/drawingml/2006/main" xmlns:r="http://schemas.openxmlformats.org/officeDocument/2006/relationships" xmlns:p="http://schemas.openxmlformats.org/presentationml/2006/main">
   <p:cSld>
     <p:spTree>
@@ -6443,12 +6700,36 @@
 </file>
 
 <file path=customXml/item1.xml><?xml version="1.0" encoding="utf-8"?>
-<?mso-contentType ?>
-<FormTemplates xmlns="http://schemas.microsoft.com/sharepoint/v3/contenttype/forms">
-  <Display>DocumentLibraryForm</Display>
-  <Edit>DocumentLibraryForm</Edit>
-  <New>DocumentLibraryForm</New>
-</FormTemplates>
+<p:properties xmlns:p="http://schemas.microsoft.com/office/2006/metadata/properties" xmlns:xsi="http://www.w3.org/2001/XMLSchema-instance" xmlns:pc="http://schemas.microsoft.com/office/infopath/2007/PartnerControls">
+  <documentManagement>
+    <TaxCatchAll xmlns="2849ec3c-3bba-402d-9ba5-165a61c8a092">
+      <Value>108</Value>
+      <Value>135</Value>
+    </TaxCatchAll>
+    <Lexikonartikel xmlns="821bfd73-a8f8-428c-85e3-f70db19f29b1">
+      <Value>246</Value>
+      <Value>189</Value>
+    </Lexikonartikel>
+    <afe5281e6d094665b52204813a29ab34 xmlns="821bfd73-a8f8-428c-85e3-f70db19f29b1">
+      <Terms xmlns="http://schemas.microsoft.com/office/infopath/2007/PartnerControls">
+        <TermInfo xmlns="http://schemas.microsoft.com/office/infopath/2007/PartnerControls">
+          <TermName xmlns="http://schemas.microsoft.com/office/infopath/2007/PartnerControls">Hochschulkommunikation</TermName>
+          <TermId xmlns="http://schemas.microsoft.com/office/infopath/2007/PartnerControls">149f90c9-b203-4e15-ba09-1300412023c1</TermId>
+        </TermInfo>
+      </Terms>
+    </afe5281e6d094665b52204813a29ab34>
+    <g07167ff4aea420ab3522ead432b7a08 xmlns="821bfd73-a8f8-428c-85e3-f70db19f29b1">
+      <Terms xmlns="http://schemas.microsoft.com/office/infopath/2007/PartnerControls">
+        <TermInfo xmlns="http://schemas.microsoft.com/office/infopath/2007/PartnerControls">
+          <TermName xmlns="http://schemas.microsoft.com/office/infopath/2007/PartnerControls">Formular / Vorlage</TermName>
+          <TermId xmlns="http://schemas.microsoft.com/office/infopath/2007/PartnerControls">06a6aa7c-3cd7-4c93-a26d-c2f51c2e5d9a</TermId>
+        </TermInfo>
+      </Terms>
+    </g07167ff4aea420ab3522ead432b7a08>
+    <PublishingExpirationDate xmlns="http://schemas.microsoft.com/sharepoint/v3" xsi:nil="true"/>
+    <PublishingStartDate xmlns="http://schemas.microsoft.com/sharepoint/v3" xsi:nil="true"/>
+  </documentManagement>
+</p:properties>
 </file>
 
 <file path=customXml/item2.xml><?xml version="1.0" encoding="utf-8"?>
@@ -6634,42 +6915,28 @@
 </file>
 
 <file path=customXml/item3.xml><?xml version="1.0" encoding="utf-8"?>
-<p:properties xmlns:p="http://schemas.microsoft.com/office/2006/metadata/properties" xmlns:xsi="http://www.w3.org/2001/XMLSchema-instance" xmlns:pc="http://schemas.microsoft.com/office/infopath/2007/PartnerControls">
-  <documentManagement>
-    <TaxCatchAll xmlns="2849ec3c-3bba-402d-9ba5-165a61c8a092">
-      <Value>108</Value>
-      <Value>135</Value>
-    </TaxCatchAll>
-    <Lexikonartikel xmlns="821bfd73-a8f8-428c-85e3-f70db19f29b1">
-      <Value>246</Value>
-      <Value>189</Value>
-    </Lexikonartikel>
-    <afe5281e6d094665b52204813a29ab34 xmlns="821bfd73-a8f8-428c-85e3-f70db19f29b1">
-      <Terms xmlns="http://schemas.microsoft.com/office/infopath/2007/PartnerControls">
-        <TermInfo xmlns="http://schemas.microsoft.com/office/infopath/2007/PartnerControls">
-          <TermName xmlns="http://schemas.microsoft.com/office/infopath/2007/PartnerControls">Hochschulkommunikation</TermName>
-          <TermId xmlns="http://schemas.microsoft.com/office/infopath/2007/PartnerControls">149f90c9-b203-4e15-ba09-1300412023c1</TermId>
-        </TermInfo>
-      </Terms>
-    </afe5281e6d094665b52204813a29ab34>
-    <g07167ff4aea420ab3522ead432b7a08 xmlns="821bfd73-a8f8-428c-85e3-f70db19f29b1">
-      <Terms xmlns="http://schemas.microsoft.com/office/infopath/2007/PartnerControls">
-        <TermInfo xmlns="http://schemas.microsoft.com/office/infopath/2007/PartnerControls">
-          <TermName xmlns="http://schemas.microsoft.com/office/infopath/2007/PartnerControls">Formular / Vorlage</TermName>
-          <TermId xmlns="http://schemas.microsoft.com/office/infopath/2007/PartnerControls">06a6aa7c-3cd7-4c93-a26d-c2f51c2e5d9a</TermId>
-        </TermInfo>
-      </Terms>
-    </g07167ff4aea420ab3522ead432b7a08>
-    <PublishingExpirationDate xmlns="http://schemas.microsoft.com/sharepoint/v3" xsi:nil="true"/>
-    <PublishingStartDate xmlns="http://schemas.microsoft.com/sharepoint/v3" xsi:nil="true"/>
-  </documentManagement>
-</p:properties>
+<?mso-contentType ?>
+<FormTemplates xmlns="http://schemas.microsoft.com/sharepoint/v3/contenttype/forms">
+  <Display>DocumentLibraryForm</Display>
+  <Edit>DocumentLibraryForm</Edit>
+  <New>DocumentLibraryForm</New>
+</FormTemplates>
 </file>
 
 <file path=customXml/itemProps1.xml><?xml version="1.0" encoding="utf-8"?>
-<ds:datastoreItem xmlns:ds="http://schemas.openxmlformats.org/officeDocument/2006/customXml" ds:itemID="{7B0EAF80-A70D-4FE4-8D4E-5892E0845FA2}">
+<ds:datastoreItem xmlns:ds="http://schemas.openxmlformats.org/officeDocument/2006/customXml" ds:itemID="{E9F8F853-DB14-4E26-9159-30E314C55244}">
   <ds:schemaRefs>
-    <ds:schemaRef ds:uri="http://schemas.microsoft.com/sharepoint/v3/contenttype/forms"/>
+    <ds:schemaRef ds:uri="http://schemas.microsoft.com/sharepoint/v3"/>
+    <ds:schemaRef ds:uri="http://schemas.microsoft.com/office/2006/documentManagement/types"/>
+    <ds:schemaRef ds:uri="http://schemas.openxmlformats.org/package/2006/metadata/core-properties"/>
+    <ds:schemaRef ds:uri="http://purl.org/dc/dcmitype/"/>
+    <ds:schemaRef ds:uri="http://purl.org/dc/elements/1.1/"/>
+    <ds:schemaRef ds:uri="2849ec3c-3bba-402d-9ba5-165a61c8a092"/>
+    <ds:schemaRef ds:uri="http://schemas.microsoft.com/office/2006/metadata/properties"/>
+    <ds:schemaRef ds:uri="http://schemas.microsoft.com/office/infopath/2007/PartnerControls"/>
+    <ds:schemaRef ds:uri="821bfd73-a8f8-428c-85e3-f70db19f29b1"/>
+    <ds:schemaRef ds:uri="http://www.w3.org/XML/1998/namespace"/>
+    <ds:schemaRef ds:uri="http://purl.org/dc/terms/"/>
   </ds:schemaRefs>
 </ds:datastoreItem>
 </file>
@@ -6695,19 +6962,9 @@
 </file>
 
 <file path=customXml/itemProps3.xml><?xml version="1.0" encoding="utf-8"?>
-<ds:datastoreItem xmlns:ds="http://schemas.openxmlformats.org/officeDocument/2006/customXml" ds:itemID="{E9F8F853-DB14-4E26-9159-30E314C55244}">
+<ds:datastoreItem xmlns:ds="http://schemas.openxmlformats.org/officeDocument/2006/customXml" ds:itemID="{7B0EAF80-A70D-4FE4-8D4E-5892E0845FA2}">
   <ds:schemaRefs>
-    <ds:schemaRef ds:uri="http://schemas.microsoft.com/sharepoint/v3"/>
-    <ds:schemaRef ds:uri="http://schemas.microsoft.com/office/2006/documentManagement/types"/>
-    <ds:schemaRef ds:uri="http://schemas.openxmlformats.org/package/2006/metadata/core-properties"/>
-    <ds:schemaRef ds:uri="http://purl.org/dc/dcmitype/"/>
-    <ds:schemaRef ds:uri="http://purl.org/dc/elements/1.1/"/>
-    <ds:schemaRef ds:uri="2849ec3c-3bba-402d-9ba5-165a61c8a092"/>
-    <ds:schemaRef ds:uri="http://schemas.microsoft.com/office/2006/metadata/properties"/>
-    <ds:schemaRef ds:uri="http://schemas.microsoft.com/office/infopath/2007/PartnerControls"/>
-    <ds:schemaRef ds:uri="821bfd73-a8f8-428c-85e3-f70db19f29b1"/>
-    <ds:schemaRef ds:uri="http://www.w3.org/XML/1998/namespace"/>
-    <ds:schemaRef ds:uri="http://purl.org/dc/terms/"/>
+    <ds:schemaRef ds:uri="http://schemas.microsoft.com/sharepoint/v3/contenttype/forms"/>
   </ds:schemaRefs>
 </ds:datastoreItem>
 </file>
--- a/doc/Projekt Digitale Stadt.pptx
+++ b/doc/Projekt Digitale Stadt.pptx
@@ -5,7 +5,7 @@
     <p:sldMasterId id="2147483648" r:id="rId4"/>
   </p:sldMasterIdLst>
   <p:notesMasterIdLst>
-    <p:notesMasterId r:id="rId14"/>
+    <p:notesMasterId r:id="rId16"/>
   </p:notesMasterIdLst>
   <p:sldIdLst>
     <p:sldId id="256" r:id="rId5"/>
@@ -17,6 +17,8 @@
     <p:sldId id="370" r:id="rId11"/>
     <p:sldId id="367" r:id="rId12"/>
     <p:sldId id="368" r:id="rId13"/>
+    <p:sldId id="371" r:id="rId14"/>
+    <p:sldId id="372" r:id="rId15"/>
   </p:sldIdLst>
   <p:sldSz cx="12192000" cy="6858000"/>
   <p:notesSz cx="6858000" cy="9144000"/>
@@ -315,7 +317,7 @@
           <a:p>
             <a:fld id="{A314B821-B968-4E43-8B36-A4F1C6486253}" type="datetimeFigureOut">
               <a:rPr lang="de-DE" smtClean="0"/>
-              <a:t>13.12.2021</a:t>
+              <a:t>15.12.2021</a:t>
             </a:fld>
             <a:endParaRPr lang="de-DE"/>
           </a:p>
@@ -473,7 +475,7 @@
           <a:p>
             <a:fld id="{B44F8D1D-8336-4B08-9381-056686C8B284}" type="slidenum">
               <a:rPr lang="de-DE" smtClean="0"/>
-              <a:t>‹Nr.›</a:t>
+              <a:t>‹#›</a:t>
             </a:fld>
             <a:endParaRPr lang="de-DE"/>
           </a:p>
@@ -834,6 +836,90 @@
 </p:notes>
 </file>
 
+<file path=ppt/notesSlides/notesSlide4.xml><?xml version="1.0" encoding="utf-8"?>
+<p:notes xmlns:a="http://schemas.openxmlformats.org/drawingml/2006/main" xmlns:r="http://schemas.openxmlformats.org/officeDocument/2006/relationships" xmlns:p="http://schemas.openxmlformats.org/presentationml/2006/main">
+  <p:cSld>
+    <p:spTree>
+      <p:nvGrpSpPr>
+        <p:cNvPr id="1" name=""/>
+        <p:cNvGrpSpPr/>
+        <p:nvPr/>
+      </p:nvGrpSpPr>
+      <p:grpSpPr>
+        <a:xfrm>
+          <a:off x="0" y="0"/>
+          <a:ext cx="0" cy="0"/>
+          <a:chOff x="0" y="0"/>
+          <a:chExt cx="0" cy="0"/>
+        </a:xfrm>
+      </p:grpSpPr>
+      <p:sp>
+        <p:nvSpPr>
+          <p:cNvPr id="2" name="Slide Image Placeholder 1"/>
+          <p:cNvSpPr>
+            <a:spLocks noGrp="1" noRot="1" noChangeAspect="1"/>
+          </p:cNvSpPr>
+          <p:nvPr>
+            <p:ph type="sldImg"/>
+          </p:nvPr>
+        </p:nvSpPr>
+        <p:spPr/>
+      </p:sp>
+      <p:sp>
+        <p:nvSpPr>
+          <p:cNvPr id="3" name="Notes Placeholder 2"/>
+          <p:cNvSpPr>
+            <a:spLocks noGrp="1"/>
+          </p:cNvSpPr>
+          <p:nvPr>
+            <p:ph type="body" idx="1"/>
+          </p:nvPr>
+        </p:nvSpPr>
+        <p:spPr/>
+        <p:txBody>
+          <a:bodyPr/>
+          <a:lstStyle/>
+          <a:p>
+            <a:endParaRPr lang="de-DE" dirty="0"/>
+          </a:p>
+        </p:txBody>
+      </p:sp>
+      <p:sp>
+        <p:nvSpPr>
+          <p:cNvPr id="4" name="Slide Number Placeholder 3"/>
+          <p:cNvSpPr>
+            <a:spLocks noGrp="1"/>
+          </p:cNvSpPr>
+          <p:nvPr>
+            <p:ph type="sldNum" sz="quarter" idx="5"/>
+          </p:nvPr>
+        </p:nvSpPr>
+        <p:spPr/>
+        <p:txBody>
+          <a:bodyPr/>
+          <a:lstStyle/>
+          <a:p>
+            <a:fld id="{B44F8D1D-8336-4B08-9381-056686C8B284}" type="slidenum">
+              <a:rPr lang="de-DE" smtClean="0"/>
+              <a:t>11</a:t>
+            </a:fld>
+            <a:endParaRPr lang="de-DE"/>
+          </a:p>
+        </p:txBody>
+      </p:sp>
+    </p:spTree>
+    <p:extLst>
+      <p:ext uri="{BB962C8B-B14F-4D97-AF65-F5344CB8AC3E}">
+        <p14:creationId xmlns:p14="http://schemas.microsoft.com/office/powerpoint/2010/main" val="1658945068"/>
+      </p:ext>
+    </p:extLst>
+  </p:cSld>
+  <p:clrMapOvr>
+    <a:masterClrMapping/>
+  </p:clrMapOvr>
+</p:notes>
+</file>
+
 <file path=ppt/slideLayouts/slideLayout1.xml><?xml version="1.0" encoding="utf-8"?>
 <p:sldLayout xmlns:a="http://schemas.openxmlformats.org/drawingml/2006/main" xmlns:r="http://schemas.openxmlformats.org/officeDocument/2006/relationships" xmlns:p="http://schemas.openxmlformats.org/presentationml/2006/main" type="title" preserve="1">
   <p:cSld name="Titelfolie">
@@ -1539,7 +1625,7 @@
           <a:p>
             <a:fld id="{6E7377B8-7098-4304-968E-D69D6386D549}" type="datetimeFigureOut">
               <a:rPr lang="de-DE" smtClean="0"/>
-              <a:t>13.12.2021</a:t>
+              <a:t>15.12.2021</a:t>
             </a:fld>
             <a:endParaRPr lang="de-DE" dirty="0"/>
           </a:p>
@@ -1581,7 +1667,7 @@
           <a:p>
             <a:fld id="{8D9D8162-0B69-4D9F-89F9-48D6331328F2}" type="slidenum">
               <a:rPr lang="de-DE" smtClean="0"/>
-              <a:t>‹Nr.›</a:t>
+              <a:t>‹#›</a:t>
             </a:fld>
             <a:endParaRPr lang="de-DE" dirty="0"/>
           </a:p>
@@ -2005,7 +2091,7 @@
           <a:p>
             <a:fld id="{6E7377B8-7098-4304-968E-D69D6386D549}" type="datetimeFigureOut">
               <a:rPr lang="de-DE" smtClean="0"/>
-              <a:t>13.12.2021</a:t>
+              <a:t>15.12.2021</a:t>
             </a:fld>
             <a:endParaRPr lang="de-DE"/>
           </a:p>
@@ -2047,7 +2133,7 @@
           <a:p>
             <a:fld id="{8D9D8162-0B69-4D9F-89F9-48D6331328F2}" type="slidenum">
               <a:rPr lang="de-DE" smtClean="0"/>
-              <a:t>‹Nr.›</a:t>
+              <a:t>‹#›</a:t>
             </a:fld>
             <a:endParaRPr lang="de-DE"/>
           </a:p>
@@ -2573,7 +2659,7 @@
           <a:p>
             <a:fld id="{6E7377B8-7098-4304-968E-D69D6386D549}" type="datetimeFigureOut">
               <a:rPr lang="de-DE" smtClean="0"/>
-              <a:t>13.12.2021</a:t>
+              <a:t>15.12.2021</a:t>
             </a:fld>
             <a:endParaRPr lang="de-DE"/>
           </a:p>
@@ -2615,7 +2701,7 @@
           <a:p>
             <a:fld id="{8D9D8162-0B69-4D9F-89F9-48D6331328F2}" type="slidenum">
               <a:rPr lang="de-DE" smtClean="0"/>
-              <a:t>‹Nr.›</a:t>
+              <a:t>‹#›</a:t>
             </a:fld>
             <a:endParaRPr lang="de-DE"/>
           </a:p>
@@ -2868,7 +2954,7 @@
           <a:p>
             <a:fld id="{6E7377B8-7098-4304-968E-D69D6386D549}" type="datetimeFigureOut">
               <a:rPr lang="de-DE" smtClean="0"/>
-              <a:t>13.12.2021</a:t>
+              <a:t>15.12.2021</a:t>
             </a:fld>
             <a:endParaRPr lang="de-DE"/>
           </a:p>
@@ -2910,7 +2996,7 @@
           <a:p>
             <a:fld id="{8D9D8162-0B69-4D9F-89F9-48D6331328F2}" type="slidenum">
               <a:rPr lang="de-DE" smtClean="0"/>
-              <a:t>‹Nr.›</a:t>
+              <a:t>‹#›</a:t>
             </a:fld>
             <a:endParaRPr lang="de-DE"/>
           </a:p>
@@ -3140,7 +3226,7 @@
           <a:p>
             <a:fld id="{6E7377B8-7098-4304-968E-D69D6386D549}" type="datetimeFigureOut">
               <a:rPr lang="de-DE" smtClean="0"/>
-              <a:t>13.12.2021</a:t>
+              <a:t>15.12.2021</a:t>
             </a:fld>
             <a:endParaRPr lang="de-DE"/>
           </a:p>
@@ -3182,7 +3268,7 @@
           <a:p>
             <a:fld id="{8D9D8162-0B69-4D9F-89F9-48D6331328F2}" type="slidenum">
               <a:rPr lang="de-DE" smtClean="0"/>
-              <a:t>‹Nr.›</a:t>
+              <a:t>‹#›</a:t>
             </a:fld>
             <a:endParaRPr lang="de-DE"/>
           </a:p>
@@ -4386,7 +4472,7 @@
             <a:fld id="{6E7377B8-7098-4304-968E-D69D6386D549}" type="datetimeFigureOut">
               <a:rPr lang="de-DE" smtClean="0"/>
               <a:pPr/>
-              <a:t>13.12.2021</a:t>
+              <a:t>15.12.2021</a:t>
             </a:fld>
             <a:endParaRPr lang="de-DE" dirty="0"/>
           </a:p>
@@ -4465,7 +4551,7 @@
             <a:fld id="{8D9D8162-0B69-4D9F-89F9-48D6331328F2}" type="slidenum">
               <a:rPr lang="de-DE" smtClean="0"/>
               <a:pPr/>
-              <a:t>‹Nr.›</a:t>
+              <a:t>‹#›</a:t>
             </a:fld>
             <a:endParaRPr lang="de-DE" dirty="0"/>
           </a:p>
@@ -4835,6 +4921,204 @@
     <p:extLst>
       <p:ext uri="{BB962C8B-B14F-4D97-AF65-F5344CB8AC3E}">
         <p14:creationId xmlns:p14="http://schemas.microsoft.com/office/powerpoint/2010/main" val="2659137168"/>
+      </p:ext>
+    </p:extLst>
+  </p:cSld>
+  <p:clrMapOvr>
+    <a:masterClrMapping/>
+  </p:clrMapOvr>
+</p:sld>
+</file>
+
+<file path=ppt/slides/slide10.xml><?xml version="1.0" encoding="utf-8"?>
+<p:sld xmlns:a="http://schemas.openxmlformats.org/drawingml/2006/main" xmlns:r="http://schemas.openxmlformats.org/officeDocument/2006/relationships" xmlns:p="http://schemas.openxmlformats.org/presentationml/2006/main">
+  <p:cSld>
+    <p:spTree>
+      <p:nvGrpSpPr>
+        <p:cNvPr id="1" name=""/>
+        <p:cNvGrpSpPr/>
+        <p:nvPr/>
+      </p:nvGrpSpPr>
+      <p:grpSpPr>
+        <a:xfrm>
+          <a:off x="0" y="0"/>
+          <a:ext cx="0" cy="0"/>
+          <a:chOff x="0" y="0"/>
+          <a:chExt cx="0" cy="0"/>
+        </a:xfrm>
+      </p:grpSpPr>
+      <p:pic>
+        <p:nvPicPr>
+          <p:cNvPr id="5" name="Content Placeholder 4">
+            <a:extLst>
+              <a:ext uri="{FF2B5EF4-FFF2-40B4-BE49-F238E27FC236}">
+                <a16:creationId xmlns:a16="http://schemas.microsoft.com/office/drawing/2014/main" id="{49BADF20-0CE8-471E-9C63-E28FAEB58D1C}"/>
+              </a:ext>
+            </a:extLst>
+          </p:cNvPr>
+          <p:cNvPicPr>
+            <a:picLocks noGrp="1" noChangeAspect="1"/>
+          </p:cNvPicPr>
+          <p:nvPr>
+            <p:ph idx="1"/>
+          </p:nvPr>
+        </p:nvPicPr>
+        <p:blipFill rotWithShape="1">
+          <a:blip r:embed="rId2">
+            <a:extLst>
+              <a:ext uri="{28A0092B-C50C-407E-A947-70E740481C1C}">
+                <a14:useLocalDpi xmlns:a14="http://schemas.microsoft.com/office/drawing/2010/main" val="0"/>
+              </a:ext>
+              <a:ext uri="{96DAC541-7B7A-43D3-8B79-37D633B846F1}">
+                <asvg:svgBlip xmlns:asvg="http://schemas.microsoft.com/office/drawing/2016/SVG/main" r:embed="rId3"/>
+              </a:ext>
+            </a:extLst>
+          </a:blip>
+          <a:srcRect l="27939" t="18544" b="50520"/>
+          <a:stretch/>
+        </p:blipFill>
+        <p:spPr>
+          <a:xfrm>
+            <a:off x="522021" y="2393396"/>
+            <a:ext cx="11427997" cy="3820546"/>
+          </a:xfrm>
+        </p:spPr>
+      </p:pic>
+      <p:sp>
+        <p:nvSpPr>
+          <p:cNvPr id="3" name="Title 2">
+            <a:extLst>
+              <a:ext uri="{FF2B5EF4-FFF2-40B4-BE49-F238E27FC236}">
+                <a16:creationId xmlns:a16="http://schemas.microsoft.com/office/drawing/2014/main" id="{1B44D154-14C2-4150-830C-660595A8BEA2}"/>
+              </a:ext>
+            </a:extLst>
+          </p:cNvPr>
+          <p:cNvSpPr>
+            <a:spLocks noGrp="1"/>
+          </p:cNvSpPr>
+          <p:nvPr>
+            <p:ph type="title"/>
+          </p:nvPr>
+        </p:nvSpPr>
+        <p:spPr/>
+        <p:txBody>
+          <a:bodyPr/>
+          <a:lstStyle/>
+          <a:p>
+            <a:r>
+              <a:rPr lang="en-US" dirty="0"/>
+              <a:t>Kanban Board</a:t>
+            </a:r>
+            <a:endParaRPr lang="de-DE" dirty="0"/>
+          </a:p>
+        </p:txBody>
+      </p:sp>
+    </p:spTree>
+    <p:extLst>
+      <p:ext uri="{BB962C8B-B14F-4D97-AF65-F5344CB8AC3E}">
+        <p14:creationId xmlns:p14="http://schemas.microsoft.com/office/powerpoint/2010/main" val="1521709471"/>
+      </p:ext>
+    </p:extLst>
+  </p:cSld>
+  <p:clrMapOvr>
+    <a:masterClrMapping/>
+  </p:clrMapOvr>
+</p:sld>
+</file>
+
+<file path=ppt/slides/slide11.xml><?xml version="1.0" encoding="utf-8"?>
+<p:sld xmlns:a="http://schemas.openxmlformats.org/drawingml/2006/main" xmlns:r="http://schemas.openxmlformats.org/officeDocument/2006/relationships" xmlns:p="http://schemas.openxmlformats.org/presentationml/2006/main">
+  <p:cSld>
+    <p:spTree>
+      <p:nvGrpSpPr>
+        <p:cNvPr id="1" name=""/>
+        <p:cNvGrpSpPr/>
+        <p:nvPr/>
+      </p:nvGrpSpPr>
+      <p:grpSpPr>
+        <a:xfrm>
+          <a:off x="0" y="0"/>
+          <a:ext cx="0" cy="0"/>
+          <a:chOff x="0" y="0"/>
+          <a:chExt cx="0" cy="0"/>
+        </a:xfrm>
+      </p:grpSpPr>
+      <p:pic>
+        <p:nvPicPr>
+          <p:cNvPr id="5" name="Content Placeholder 4">
+            <a:extLst>
+              <a:ext uri="{FF2B5EF4-FFF2-40B4-BE49-F238E27FC236}">
+                <a16:creationId xmlns:a16="http://schemas.microsoft.com/office/drawing/2014/main" id="{8E0D562A-70CB-45F1-B282-3120C58B9274}"/>
+              </a:ext>
+            </a:extLst>
+          </p:cNvPr>
+          <p:cNvPicPr>
+            <a:picLocks noGrp="1" noChangeAspect="1"/>
+          </p:cNvPicPr>
+          <p:nvPr>
+            <p:ph idx="1"/>
+          </p:nvPr>
+        </p:nvPicPr>
+        <p:blipFill rotWithShape="1">
+          <a:blip r:embed="rId3">
+            <a:extLst>
+              <a:ext uri="{28A0092B-C50C-407E-A947-70E740481C1C}">
+                <a14:useLocalDpi xmlns:a14="http://schemas.microsoft.com/office/drawing/2010/main" val="0"/>
+              </a:ext>
+              <a:ext uri="{96DAC541-7B7A-43D3-8B79-37D633B846F1}">
+                <asvg:svgBlip xmlns:asvg="http://schemas.microsoft.com/office/drawing/2016/SVG/main" r:embed="rId4"/>
+              </a:ext>
+            </a:extLst>
+          </a:blip>
+          <a:srcRect l="12367" t="60204" r="11069"/>
+          <a:stretch/>
+        </p:blipFill>
+        <p:spPr>
+          <a:xfrm>
+            <a:off x="163148" y="1196752"/>
+            <a:ext cx="12165198" cy="4924123"/>
+          </a:xfrm>
+          <a:prstGeom prst="snip2SameRect">
+            <a:avLst>
+              <a:gd name="adj1" fmla="val 31708"/>
+              <a:gd name="adj2" fmla="val 0"/>
+            </a:avLst>
+          </a:prstGeom>
+        </p:spPr>
+      </p:pic>
+      <p:sp>
+        <p:nvSpPr>
+          <p:cNvPr id="3" name="Title 2">
+            <a:extLst>
+              <a:ext uri="{FF2B5EF4-FFF2-40B4-BE49-F238E27FC236}">
+                <a16:creationId xmlns:a16="http://schemas.microsoft.com/office/drawing/2014/main" id="{63C1C702-1713-42BA-A55D-BECFB4A3C412}"/>
+              </a:ext>
+            </a:extLst>
+          </p:cNvPr>
+          <p:cNvSpPr>
+            <a:spLocks noGrp="1"/>
+          </p:cNvSpPr>
+          <p:nvPr>
+            <p:ph type="title"/>
+          </p:nvPr>
+        </p:nvSpPr>
+        <p:spPr/>
+        <p:txBody>
+          <a:bodyPr/>
+          <a:lstStyle/>
+          <a:p>
+            <a:r>
+              <a:rPr lang="en-US" dirty="0"/>
+              <a:t>Kanban Board</a:t>
+            </a:r>
+            <a:endParaRPr lang="de-DE" dirty="0"/>
+          </a:p>
+        </p:txBody>
+      </p:sp>
+    </p:spTree>
+    <p:extLst>
+      <p:ext uri="{BB962C8B-B14F-4D97-AF65-F5344CB8AC3E}">
+        <p14:creationId xmlns:p14="http://schemas.microsoft.com/office/powerpoint/2010/main" val="4280081958"/>
       </p:ext>
     </p:extLst>
   </p:cSld>
@@ -6700,36 +6984,12 @@
 </file>
 
 <file path=customXml/item1.xml><?xml version="1.0" encoding="utf-8"?>
-<p:properties xmlns:p="http://schemas.microsoft.com/office/2006/metadata/properties" xmlns:xsi="http://www.w3.org/2001/XMLSchema-instance" xmlns:pc="http://schemas.microsoft.com/office/infopath/2007/PartnerControls">
-  <documentManagement>
-    <TaxCatchAll xmlns="2849ec3c-3bba-402d-9ba5-165a61c8a092">
-      <Value>108</Value>
-      <Value>135</Value>
-    </TaxCatchAll>
-    <Lexikonartikel xmlns="821bfd73-a8f8-428c-85e3-f70db19f29b1">
-      <Value>246</Value>
-      <Value>189</Value>
-    </Lexikonartikel>
-    <afe5281e6d094665b52204813a29ab34 xmlns="821bfd73-a8f8-428c-85e3-f70db19f29b1">
-      <Terms xmlns="http://schemas.microsoft.com/office/infopath/2007/PartnerControls">
-        <TermInfo xmlns="http://schemas.microsoft.com/office/infopath/2007/PartnerControls">
-          <TermName xmlns="http://schemas.microsoft.com/office/infopath/2007/PartnerControls">Hochschulkommunikation</TermName>
-          <TermId xmlns="http://schemas.microsoft.com/office/infopath/2007/PartnerControls">149f90c9-b203-4e15-ba09-1300412023c1</TermId>
-        </TermInfo>
-      </Terms>
-    </afe5281e6d094665b52204813a29ab34>
-    <g07167ff4aea420ab3522ead432b7a08 xmlns="821bfd73-a8f8-428c-85e3-f70db19f29b1">
-      <Terms xmlns="http://schemas.microsoft.com/office/infopath/2007/PartnerControls">
-        <TermInfo xmlns="http://schemas.microsoft.com/office/infopath/2007/PartnerControls">
-          <TermName xmlns="http://schemas.microsoft.com/office/infopath/2007/PartnerControls">Formular / Vorlage</TermName>
-          <TermId xmlns="http://schemas.microsoft.com/office/infopath/2007/PartnerControls">06a6aa7c-3cd7-4c93-a26d-c2f51c2e5d9a</TermId>
-        </TermInfo>
-      </Terms>
-    </g07167ff4aea420ab3522ead432b7a08>
-    <PublishingExpirationDate xmlns="http://schemas.microsoft.com/sharepoint/v3" xsi:nil="true"/>
-    <PublishingStartDate xmlns="http://schemas.microsoft.com/sharepoint/v3" xsi:nil="true"/>
-  </documentManagement>
-</p:properties>
+<?mso-contentType ?>
+<FormTemplates xmlns="http://schemas.microsoft.com/sharepoint/v3/contenttype/forms">
+  <Display>DocumentLibraryForm</Display>
+  <Edit>DocumentLibraryForm</Edit>
+  <New>DocumentLibraryForm</New>
+</FormTemplates>
 </file>
 
 <file path=customXml/item2.xml><?xml version="1.0" encoding="utf-8"?>
@@ -6915,28 +7175,42 @@
 </file>
 
 <file path=customXml/item3.xml><?xml version="1.0" encoding="utf-8"?>
-<?mso-contentType ?>
-<FormTemplates xmlns="http://schemas.microsoft.com/sharepoint/v3/contenttype/forms">
-  <Display>DocumentLibraryForm</Display>
-  <Edit>DocumentLibraryForm</Edit>
-  <New>DocumentLibraryForm</New>
-</FormTemplates>
+<p:properties xmlns:p="http://schemas.microsoft.com/office/2006/metadata/properties" xmlns:xsi="http://www.w3.org/2001/XMLSchema-instance" xmlns:pc="http://schemas.microsoft.com/office/infopath/2007/PartnerControls">
+  <documentManagement>
+    <TaxCatchAll xmlns="2849ec3c-3bba-402d-9ba5-165a61c8a092">
+      <Value>108</Value>
+      <Value>135</Value>
+    </TaxCatchAll>
+    <Lexikonartikel xmlns="821bfd73-a8f8-428c-85e3-f70db19f29b1">
+      <Value>246</Value>
+      <Value>189</Value>
+    </Lexikonartikel>
+    <afe5281e6d094665b52204813a29ab34 xmlns="821bfd73-a8f8-428c-85e3-f70db19f29b1">
+      <Terms xmlns="http://schemas.microsoft.com/office/infopath/2007/PartnerControls">
+        <TermInfo xmlns="http://schemas.microsoft.com/office/infopath/2007/PartnerControls">
+          <TermName xmlns="http://schemas.microsoft.com/office/infopath/2007/PartnerControls">Hochschulkommunikation</TermName>
+          <TermId xmlns="http://schemas.microsoft.com/office/infopath/2007/PartnerControls">149f90c9-b203-4e15-ba09-1300412023c1</TermId>
+        </TermInfo>
+      </Terms>
+    </afe5281e6d094665b52204813a29ab34>
+    <g07167ff4aea420ab3522ead432b7a08 xmlns="821bfd73-a8f8-428c-85e3-f70db19f29b1">
+      <Terms xmlns="http://schemas.microsoft.com/office/infopath/2007/PartnerControls">
+        <TermInfo xmlns="http://schemas.microsoft.com/office/infopath/2007/PartnerControls">
+          <TermName xmlns="http://schemas.microsoft.com/office/infopath/2007/PartnerControls">Formular / Vorlage</TermName>
+          <TermId xmlns="http://schemas.microsoft.com/office/infopath/2007/PartnerControls">06a6aa7c-3cd7-4c93-a26d-c2f51c2e5d9a</TermId>
+        </TermInfo>
+      </Terms>
+    </g07167ff4aea420ab3522ead432b7a08>
+    <PublishingExpirationDate xmlns="http://schemas.microsoft.com/sharepoint/v3" xsi:nil="true"/>
+    <PublishingStartDate xmlns="http://schemas.microsoft.com/sharepoint/v3" xsi:nil="true"/>
+  </documentManagement>
+</p:properties>
 </file>
 
 <file path=customXml/itemProps1.xml><?xml version="1.0" encoding="utf-8"?>
-<ds:datastoreItem xmlns:ds="http://schemas.openxmlformats.org/officeDocument/2006/customXml" ds:itemID="{E9F8F853-DB14-4E26-9159-30E314C55244}">
+<ds:datastoreItem xmlns:ds="http://schemas.openxmlformats.org/officeDocument/2006/customXml" ds:itemID="{7B0EAF80-A70D-4FE4-8D4E-5892E0845FA2}">
   <ds:schemaRefs>
-    <ds:schemaRef ds:uri="http://schemas.microsoft.com/sharepoint/v3"/>
-    <ds:schemaRef ds:uri="http://schemas.microsoft.com/office/2006/documentManagement/types"/>
-    <ds:schemaRef ds:uri="http://schemas.openxmlformats.org/package/2006/metadata/core-properties"/>
-    <ds:schemaRef ds:uri="http://purl.org/dc/dcmitype/"/>
-    <ds:schemaRef ds:uri="http://purl.org/dc/elements/1.1/"/>
-    <ds:schemaRef ds:uri="2849ec3c-3bba-402d-9ba5-165a61c8a092"/>
-    <ds:schemaRef ds:uri="http://schemas.microsoft.com/office/2006/metadata/properties"/>
-    <ds:schemaRef ds:uri="http://schemas.microsoft.com/office/infopath/2007/PartnerControls"/>
-    <ds:schemaRef ds:uri="821bfd73-a8f8-428c-85e3-f70db19f29b1"/>
-    <ds:schemaRef ds:uri="http://www.w3.org/XML/1998/namespace"/>
-    <ds:schemaRef ds:uri="http://purl.org/dc/terms/"/>
+    <ds:schemaRef ds:uri="http://schemas.microsoft.com/sharepoint/v3/contenttype/forms"/>
   </ds:schemaRefs>
 </ds:datastoreItem>
 </file>
@@ -6962,9 +7236,19 @@
 </file>
 
 <file path=customXml/itemProps3.xml><?xml version="1.0" encoding="utf-8"?>
-<ds:datastoreItem xmlns:ds="http://schemas.openxmlformats.org/officeDocument/2006/customXml" ds:itemID="{7B0EAF80-A70D-4FE4-8D4E-5892E0845FA2}">
+<ds:datastoreItem xmlns:ds="http://schemas.openxmlformats.org/officeDocument/2006/customXml" ds:itemID="{E9F8F853-DB14-4E26-9159-30E314C55244}">
   <ds:schemaRefs>
-    <ds:schemaRef ds:uri="http://schemas.microsoft.com/sharepoint/v3/contenttype/forms"/>
+    <ds:schemaRef ds:uri="http://schemas.microsoft.com/sharepoint/v3"/>
+    <ds:schemaRef ds:uri="http://schemas.microsoft.com/office/2006/documentManagement/types"/>
+    <ds:schemaRef ds:uri="http://schemas.openxmlformats.org/package/2006/metadata/core-properties"/>
+    <ds:schemaRef ds:uri="http://purl.org/dc/dcmitype/"/>
+    <ds:schemaRef ds:uri="http://purl.org/dc/elements/1.1/"/>
+    <ds:schemaRef ds:uri="2849ec3c-3bba-402d-9ba5-165a61c8a092"/>
+    <ds:schemaRef ds:uri="http://schemas.microsoft.com/office/2006/metadata/properties"/>
+    <ds:schemaRef ds:uri="http://schemas.microsoft.com/office/infopath/2007/PartnerControls"/>
+    <ds:schemaRef ds:uri="821bfd73-a8f8-428c-85e3-f70db19f29b1"/>
+    <ds:schemaRef ds:uri="http://www.w3.org/XML/1998/namespace"/>
+    <ds:schemaRef ds:uri="http://purl.org/dc/terms/"/>
   </ds:schemaRefs>
 </ds:datastoreItem>
 </file>